--- a/Itérations/Présentation IT1.pptx
+++ b/Itérations/Présentation IT1.pptx
@@ -209,7 +209,7 @@
           <a:p>
             <a:fld id="{D3CBC699-985C-4670-9E09-1EFD0EAA6BEB}" type="datetimeFigureOut">
               <a:rPr lang="fr-FR" smtClean="0"/>
-              <a:t>20/11/2016</a:t>
+              <a:t>21/11/2016</a:t>
             </a:fld>
             <a:endParaRPr lang="fr-FR"/>
           </a:p>
@@ -1213,7 +1213,6 @@
               <a:rPr lang="fr-FR"/>
               <a:t>Modifiez le style du titre</a:t>
             </a:r>
-            <a:endParaRPr lang="fr-FR"/>
           </a:p>
         </p:txBody>
       </p:sp>
@@ -1278,7 +1277,6 @@
               <a:rPr lang="fr-FR"/>
               <a:t>Modifier le style des sous-titres du masque</a:t>
             </a:r>
-            <a:endParaRPr lang="fr-FR"/>
           </a:p>
         </p:txBody>
       </p:sp>
@@ -1299,7 +1297,7 @@
           <a:p>
             <a:fld id="{0800570A-E134-4FF7-B88B-964C98FC0B70}" type="datetime1">
               <a:rPr lang="fr-FR" smtClean="0"/>
-              <a:t>20/11/2016</a:t>
+              <a:t>21/11/2016</a:t>
             </a:fld>
             <a:endParaRPr lang="fr-FR"/>
           </a:p>
@@ -1324,7 +1322,6 @@
               <a:rPr lang="fr-FR"/>
               <a:t>Galt – PI S5 IL – Itération 1</a:t>
             </a:r>
-            <a:endParaRPr lang="fr-FR"/>
           </a:p>
         </p:txBody>
       </p:sp>
@@ -1400,7 +1397,6 @@
               <a:rPr lang="fr-FR"/>
               <a:t>Modifiez le style du titre</a:t>
             </a:r>
-            <a:endParaRPr lang="fr-FR"/>
           </a:p>
         </p:txBody>
       </p:sp>
@@ -1452,7 +1448,6 @@
               <a:rPr lang="fr-FR"/>
               <a:t>Cinquième niveau</a:t>
             </a:r>
-            <a:endParaRPr lang="fr-FR"/>
           </a:p>
         </p:txBody>
       </p:sp>
@@ -1473,7 +1468,7 @@
           <a:p>
             <a:fld id="{D0150167-DB67-48AE-815C-989A285B9410}" type="datetime1">
               <a:rPr lang="fr-FR" smtClean="0"/>
-              <a:t>20/11/2016</a:t>
+              <a:t>21/11/2016</a:t>
             </a:fld>
             <a:endParaRPr lang="fr-FR"/>
           </a:p>
@@ -1498,7 +1493,6 @@
               <a:rPr lang="fr-FR"/>
               <a:t>Galt – PI S5 IL – Itération 1</a:t>
             </a:r>
-            <a:endParaRPr lang="fr-FR"/>
           </a:p>
         </p:txBody>
       </p:sp>
@@ -1579,7 +1573,6 @@
               <a:rPr lang="fr-FR"/>
               <a:t>Modifiez le style du titre</a:t>
             </a:r>
-            <a:endParaRPr lang="fr-FR"/>
           </a:p>
         </p:txBody>
       </p:sp>
@@ -1636,7 +1629,6 @@
               <a:rPr lang="fr-FR"/>
               <a:t>Cinquième niveau</a:t>
             </a:r>
-            <a:endParaRPr lang="fr-FR"/>
           </a:p>
         </p:txBody>
       </p:sp>
@@ -1657,7 +1649,7 @@
           <a:p>
             <a:fld id="{DF07C22F-CFCC-4AAD-85BE-6196114EF788}" type="datetime1">
               <a:rPr lang="fr-FR" smtClean="0"/>
-              <a:t>20/11/2016</a:t>
+              <a:t>21/11/2016</a:t>
             </a:fld>
             <a:endParaRPr lang="fr-FR"/>
           </a:p>
@@ -1682,7 +1674,6 @@
               <a:rPr lang="fr-FR"/>
               <a:t>Galt – PI S5 IL – Itération 1</a:t>
             </a:r>
-            <a:endParaRPr lang="fr-FR"/>
           </a:p>
         </p:txBody>
       </p:sp>
@@ -2021,7 +2012,7 @@
             <a:fld id="{9905D2EB-A0C9-4269-BED7-F488BFFF1574}" type="datetime1">
               <a:rPr lang="fr-FR" smtClean="0"/>
               <a:pPr/>
-              <a:t>20/11/2016</a:t>
+              <a:t>21/11/2016</a:t>
             </a:fld>
             <a:endParaRPr lang="fr-FR" dirty="0"/>
           </a:p>
@@ -2426,7 +2417,7 @@
             <a:fld id="{9905D2EB-A0C9-4269-BED7-F488BFFF1574}" type="datetime1">
               <a:rPr lang="fr-FR" smtClean="0"/>
               <a:pPr/>
-              <a:t>20/11/2016</a:t>
+              <a:t>21/11/2016</a:t>
             </a:fld>
             <a:endParaRPr lang="fr-FR" dirty="0"/>
           </a:p>
@@ -2612,7 +2603,6 @@
               <a:rPr lang="fr-FR"/>
               <a:t>Modifiez le style du titre</a:t>
             </a:r>
-            <a:endParaRPr lang="fr-FR"/>
           </a:p>
         </p:txBody>
       </p:sp>
@@ -2669,7 +2659,6 @@
               <a:rPr lang="fr-FR"/>
               <a:t>Cinquième niveau</a:t>
             </a:r>
-            <a:endParaRPr lang="fr-FR"/>
           </a:p>
         </p:txBody>
       </p:sp>
@@ -2726,7 +2715,6 @@
               <a:rPr lang="fr-FR"/>
               <a:t>Cinquième niveau</a:t>
             </a:r>
-            <a:endParaRPr lang="fr-FR"/>
           </a:p>
         </p:txBody>
       </p:sp>
@@ -2747,7 +2735,7 @@
           <a:p>
             <a:fld id="{F76D856D-7132-4157-A039-CF702331B8D5}" type="datetime1">
               <a:rPr lang="fr-FR" smtClean="0"/>
-              <a:t>20/11/2016</a:t>
+              <a:t>21/11/2016</a:t>
             </a:fld>
             <a:endParaRPr lang="fr-FR"/>
           </a:p>
@@ -2772,7 +2760,6 @@
               <a:rPr lang="fr-FR"/>
               <a:t>Galt – PI S5 IL – Itération 1</a:t>
             </a:r>
-            <a:endParaRPr lang="fr-FR"/>
           </a:p>
         </p:txBody>
       </p:sp>
@@ -2853,7 +2840,6 @@
               <a:rPr lang="fr-FR"/>
               <a:t>Modifiez le style du titre</a:t>
             </a:r>
-            <a:endParaRPr lang="fr-FR"/>
           </a:p>
         </p:txBody>
       </p:sp>
@@ -2975,7 +2961,6 @@
               <a:rPr lang="fr-FR"/>
               <a:t>Cinquième niveau</a:t>
             </a:r>
-            <a:endParaRPr lang="fr-FR"/>
           </a:p>
         </p:txBody>
       </p:sp>
@@ -3097,7 +3082,6 @@
               <a:rPr lang="fr-FR"/>
               <a:t>Cinquième niveau</a:t>
             </a:r>
-            <a:endParaRPr lang="fr-FR"/>
           </a:p>
         </p:txBody>
       </p:sp>
@@ -3118,7 +3102,7 @@
           <a:p>
             <a:fld id="{FCBF5032-FAF2-4AA7-A70E-1DE20563A11B}" type="datetime1">
               <a:rPr lang="fr-FR" smtClean="0"/>
-              <a:t>20/11/2016</a:t>
+              <a:t>21/11/2016</a:t>
             </a:fld>
             <a:endParaRPr lang="fr-FR"/>
           </a:p>
@@ -3143,7 +3127,6 @@
               <a:rPr lang="fr-FR"/>
               <a:t>Galt – PI S5 IL – Itération 1</a:t>
             </a:r>
-            <a:endParaRPr lang="fr-FR"/>
           </a:p>
         </p:txBody>
       </p:sp>
@@ -3219,7 +3202,6 @@
               <a:rPr lang="fr-FR"/>
               <a:t>Modifiez le style du titre</a:t>
             </a:r>
-            <a:endParaRPr lang="fr-FR"/>
           </a:p>
         </p:txBody>
       </p:sp>
@@ -3240,7 +3222,7 @@
           <a:p>
             <a:fld id="{5B39B4BA-208E-4A91-835F-819C41282C96}" type="datetime1">
               <a:rPr lang="fr-FR" smtClean="0"/>
-              <a:t>20/11/2016</a:t>
+              <a:t>21/11/2016</a:t>
             </a:fld>
             <a:endParaRPr lang="fr-FR"/>
           </a:p>
@@ -3265,7 +3247,6 @@
               <a:rPr lang="fr-FR"/>
               <a:t>Galt – PI S5 IL – Itération 1</a:t>
             </a:r>
-            <a:endParaRPr lang="fr-FR"/>
           </a:p>
         </p:txBody>
       </p:sp>
@@ -3339,7 +3320,7 @@
           <a:p>
             <a:fld id="{22BD55AD-9052-4E25-B05B-88989C2E37BE}" type="datetime1">
               <a:rPr lang="fr-FR" smtClean="0"/>
-              <a:t>20/11/2016</a:t>
+              <a:t>21/11/2016</a:t>
             </a:fld>
             <a:endParaRPr lang="fr-FR"/>
           </a:p>
@@ -3364,7 +3345,6 @@
               <a:rPr lang="fr-FR"/>
               <a:t>Galt – PI S5 IL – Itération 1</a:t>
             </a:r>
-            <a:endParaRPr lang="fr-FR"/>
           </a:p>
         </p:txBody>
       </p:sp>
@@ -3449,7 +3429,6 @@
               <a:rPr lang="fr-FR"/>
               <a:t>Modifiez le style du titre</a:t>
             </a:r>
-            <a:endParaRPr lang="fr-FR"/>
           </a:p>
         </p:txBody>
       </p:sp>
@@ -3534,7 +3513,6 @@
               <a:rPr lang="fr-FR"/>
               <a:t>Cinquième niveau</a:t>
             </a:r>
-            <a:endParaRPr lang="fr-FR"/>
           </a:p>
         </p:txBody>
       </p:sp>
@@ -3620,7 +3598,7 @@
           <a:p>
             <a:fld id="{FE1C6AF5-3D97-48D9-A9F8-5FC5FD4CE3DC}" type="datetime1">
               <a:rPr lang="fr-FR" smtClean="0"/>
-              <a:t>20/11/2016</a:t>
+              <a:t>21/11/2016</a:t>
             </a:fld>
             <a:endParaRPr lang="fr-FR"/>
           </a:p>
@@ -3645,7 +3623,6 @@
               <a:rPr lang="fr-FR"/>
               <a:t>Galt – PI S5 IL – Itération 1</a:t>
             </a:r>
-            <a:endParaRPr lang="fr-FR"/>
           </a:p>
         </p:txBody>
       </p:sp>
@@ -3730,7 +3707,6 @@
               <a:rPr lang="fr-FR"/>
               <a:t>Modifiez le style du titre</a:t>
             </a:r>
-            <a:endParaRPr lang="fr-FR"/>
           </a:p>
         </p:txBody>
       </p:sp>
@@ -3877,7 +3853,7 @@
           <a:p>
             <a:fld id="{44AD68A8-7045-4761-88BB-6D7C321D776F}" type="datetime1">
               <a:rPr lang="fr-FR" smtClean="0"/>
-              <a:t>20/11/2016</a:t>
+              <a:t>21/11/2016</a:t>
             </a:fld>
             <a:endParaRPr lang="fr-FR"/>
           </a:p>
@@ -3902,7 +3878,6 @@
               <a:rPr lang="fr-FR"/>
               <a:t>Galt – PI S5 IL – Itération 1</a:t>
             </a:r>
-            <a:endParaRPr lang="fr-FR"/>
           </a:p>
         </p:txBody>
       </p:sp>
@@ -4051,7 +4026,6 @@
               <a:rPr lang="fr-FR"/>
               <a:t>Modifiez le style du titre</a:t>
             </a:r>
-            <a:endParaRPr lang="fr-FR"/>
           </a:p>
         </p:txBody>
       </p:sp>
@@ -4113,7 +4087,6 @@
               <a:rPr lang="fr-FR"/>
               <a:t>Cinquième niveau</a:t>
             </a:r>
-            <a:endParaRPr lang="fr-FR"/>
           </a:p>
         </p:txBody>
       </p:sp>
@@ -4152,7 +4125,7 @@
           <a:p>
             <a:fld id="{B0A1D0FA-A7FA-427E-B7E5-2C949F2ACC4D}" type="datetime1">
               <a:rPr lang="fr-FR" smtClean="0"/>
-              <a:t>20/11/2016</a:t>
+              <a:t>21/11/2016</a:t>
             </a:fld>
             <a:endParaRPr lang="fr-FR"/>
           </a:p>
@@ -4195,7 +4168,6 @@
               <a:rPr lang="fr-FR"/>
               <a:t>Galt – PI S5 IL – Itération 1</a:t>
             </a:r>
-            <a:endParaRPr lang="fr-FR"/>
           </a:p>
         </p:txBody>
       </p:sp>
@@ -5062,7 +5034,7 @@
           <a:p>
             <a:fld id="{9AEBC41D-566D-471B-BC6B-E875D8BD5980}" type="datetime1">
               <a:rPr lang="fr-FR" smtClean="0"/>
-              <a:t>20/11/2016</a:t>
+              <a:t>21/11/2016</a:t>
             </a:fld>
             <a:endParaRPr lang="fr-FR" dirty="0"/>
           </a:p>
@@ -5208,7 +5180,68 @@
           <a:bodyPr/>
           <a:lstStyle/>
           <a:p>
-            <a:endParaRPr lang="fr-FR"/>
+            <a:r>
+              <a:rPr lang="fr-FR" dirty="0"/>
+              <a:t>Clean des dossiers bin et </a:t>
+            </a:r>
+            <a:r>
+              <a:rPr lang="fr-FR" dirty="0" err="1"/>
+              <a:t>obj</a:t>
+            </a:r>
+            <a:endParaRPr lang="fr-FR" dirty="0"/>
+          </a:p>
+          <a:p>
+            <a:r>
+              <a:rPr lang="fr-FR" dirty="0"/>
+              <a:t>Restore des dépendances</a:t>
+            </a:r>
+          </a:p>
+          <a:p>
+            <a:r>
+              <a:rPr lang="fr-FR" dirty="0"/>
+              <a:t>Restore d’outils spécifiques</a:t>
+            </a:r>
+          </a:p>
+          <a:p>
+            <a:r>
+              <a:rPr lang="fr-FR" dirty="0"/>
+              <a:t>Compilation</a:t>
+            </a:r>
+          </a:p>
+          <a:p>
+            <a:r>
+              <a:rPr lang="fr-FR" dirty="0"/>
+              <a:t>Test unitaire </a:t>
+            </a:r>
+          </a:p>
+          <a:p>
+            <a:r>
+              <a:rPr lang="fr-FR" dirty="0"/>
+              <a:t>Couverture de code</a:t>
+            </a:r>
+          </a:p>
+          <a:p>
+            <a:r>
+              <a:rPr lang="fr-FR" dirty="0" err="1"/>
+              <a:t>Continuous</a:t>
+            </a:r>
+            <a:r>
+              <a:rPr lang="fr-FR" dirty="0"/>
+              <a:t> </a:t>
+            </a:r>
+            <a:r>
+              <a:rPr lang="fr-FR" dirty="0" err="1"/>
+              <a:t>Integration</a:t>
+            </a:r>
+            <a:r>
+              <a:rPr lang="fr-FR" dirty="0"/>
+              <a:t> sur </a:t>
+            </a:r>
+            <a:r>
+              <a:rPr lang="fr-FR" dirty="0" err="1"/>
+              <a:t>AppVeyor</a:t>
+            </a:r>
+            <a:endParaRPr lang="fr-FR" dirty="0"/>
           </a:p>
         </p:txBody>
       </p:sp>
@@ -5230,7 +5263,7 @@
             <a:fld id="{9905D2EB-A0C9-4269-BED7-F488BFFF1574}" type="datetime1">
               <a:rPr lang="fr-FR" smtClean="0"/>
               <a:pPr/>
-              <a:t>20/11/2016</a:t>
+              <a:t>21/11/2016</a:t>
             </a:fld>
             <a:endParaRPr lang="fr-FR" dirty="0"/>
           </a:p>
@@ -5463,7 +5496,7 @@
             <a:fld id="{9905D2EB-A0C9-4269-BED7-F488BFFF1574}" type="datetime1">
               <a:rPr lang="fr-FR" smtClean="0"/>
               <a:pPr/>
-              <a:t>20/11/2016</a:t>
+              <a:t>21/11/2016</a:t>
             </a:fld>
             <a:endParaRPr lang="fr-FR" dirty="0"/>
           </a:p>
@@ -5692,7 +5725,7 @@
             <a:fld id="{9905D2EB-A0C9-4269-BED7-F488BFFF1574}" type="datetime1">
               <a:rPr lang="fr-FR" smtClean="0"/>
               <a:pPr/>
-              <a:t>20/11/2016</a:t>
+              <a:t>21/11/2016</a:t>
             </a:fld>
             <a:endParaRPr lang="fr-FR" dirty="0"/>
           </a:p>
@@ -5870,7 +5903,7 @@
             <a:fld id="{9905D2EB-A0C9-4269-BED7-F488BFFF1574}" type="datetime1">
               <a:rPr lang="fr-FR" smtClean="0"/>
               <a:pPr/>
-              <a:t>20/11/2016</a:t>
+              <a:t>21/11/2016</a:t>
             </a:fld>
             <a:endParaRPr lang="fr-FR" dirty="0"/>
           </a:p>
@@ -6169,7 +6202,7 @@
             <a:fld id="{9905D2EB-A0C9-4269-BED7-F488BFFF1574}" type="datetime1">
               <a:rPr lang="fr-FR" smtClean="0"/>
               <a:pPr/>
-              <a:t>20/11/2016</a:t>
+              <a:t>21/11/2016</a:t>
             </a:fld>
             <a:endParaRPr lang="fr-FR" dirty="0"/>
           </a:p>

--- a/Itérations/Présentation IT1.pptx
+++ b/Itérations/Présentation IT1.pptx
@@ -5881,6 +5881,59 @@
           <a:bodyPr/>
           <a:lstStyle/>
           <a:p>
+            <a:r>
+              <a:rPr lang="fr-FR" dirty="0"/>
+              <a:t>Utilisation d’un objet comprenant toutes les informations à afficher</a:t>
+            </a:r>
+          </a:p>
+          <a:p>
+            <a:r>
+              <a:rPr lang="fr-FR" dirty="0"/>
+              <a:t>Génération automatique d’un arbre déployable à partir de ces informations</a:t>
+            </a:r>
+          </a:p>
+          <a:p>
+            <a:r>
+              <a:rPr lang="fr-FR" dirty="0"/>
+              <a:t>Affichage des informations importantes des packages</a:t>
+            </a:r>
+          </a:p>
+          <a:p>
+            <a:r>
+              <a:rPr lang="fr-FR" dirty="0"/>
+              <a:t>A faire pour la prochaine itération :</a:t>
+            </a:r>
+          </a:p>
+          <a:p>
+            <a:pPr lvl="1"/>
+            <a:r>
+              <a:rPr lang="fr-FR" dirty="0"/>
+              <a:t>Possibilité de se déplacer dans le graph</a:t>
+            </a:r>
+          </a:p>
+          <a:p>
+            <a:pPr lvl="1"/>
+            <a:r>
+              <a:rPr lang="fr-FR" dirty="0"/>
+              <a:t>Utiliser des données venant d’un fichier </a:t>
+            </a:r>
+            <a:r>
+              <a:rPr lang="fr-FR" dirty="0" err="1"/>
+              <a:t>json</a:t>
+            </a:r>
+            <a:endParaRPr lang="fr-FR" dirty="0"/>
+          </a:p>
+          <a:p>
+            <a:pPr lvl="1"/>
+            <a:r>
+              <a:rPr lang="fr-FR"/>
+              <a:t>Améliorer l’aspect graphique</a:t>
+            </a:r>
+          </a:p>
+          <a:p>
+            <a:pPr marL="0" indent="0">
+              <a:buNone/>
+            </a:pPr>
             <a:endParaRPr lang="fr-FR"/>
           </a:p>
         </p:txBody>

--- a/Itérations/Présentation IT1.pptx
+++ b/Itérations/Présentation IT1.pptx
@@ -5,7 +5,7 @@
     <p:sldMasterId id="2147483665" r:id="rId1"/>
   </p:sldMasterIdLst>
   <p:notesMasterIdLst>
-    <p:notesMasterId r:id="rId9"/>
+    <p:notesMasterId r:id="rId11"/>
   </p:notesMasterIdLst>
   <p:sldIdLst>
     <p:sldId id="256" r:id="rId2"/>
@@ -15,6 +15,8 @@
     <p:sldId id="260" r:id="rId6"/>
     <p:sldId id="261" r:id="rId7"/>
     <p:sldId id="262" r:id="rId8"/>
+    <p:sldId id="263" r:id="rId9"/>
+    <p:sldId id="264" r:id="rId10"/>
   </p:sldIdLst>
   <p:sldSz cx="10080625" cy="7559675"/>
   <p:notesSz cx="7772400" cy="10058400"/>
@@ -1361,358 +1363,6 @@
 </p:sldLayout>
 </file>
 
-<file path=ppt/slideLayouts/slideLayout10.xml><?xml version="1.0" encoding="utf-8"?>
-<p:sldLayout xmlns:a="http://schemas.openxmlformats.org/drawingml/2006/main" xmlns:r="http://schemas.openxmlformats.org/officeDocument/2006/relationships" xmlns:p="http://schemas.openxmlformats.org/presentationml/2006/main" type="vertTx" preserve="1">
-  <p:cSld name="Titre et texte vertical">
-    <p:spTree>
-      <p:nvGrpSpPr>
-        <p:cNvPr id="1" name=""/>
-        <p:cNvGrpSpPr/>
-        <p:nvPr/>
-      </p:nvGrpSpPr>
-      <p:grpSpPr>
-        <a:xfrm>
-          <a:off x="0" y="0"/>
-          <a:ext cx="0" cy="0"/>
-          <a:chOff x="0" y="0"/>
-          <a:chExt cx="0" cy="0"/>
-        </a:xfrm>
-      </p:grpSpPr>
-      <p:sp>
-        <p:nvSpPr>
-          <p:cNvPr id="2" name="Titre 1"/>
-          <p:cNvSpPr>
-            <a:spLocks noGrp="1"/>
-          </p:cNvSpPr>
-          <p:nvPr>
-            <p:ph type="title"/>
-          </p:nvPr>
-        </p:nvSpPr>
-        <p:spPr/>
-        <p:txBody>
-          <a:bodyPr/>
-          <a:lstStyle/>
-          <a:p>
-            <a:r>
-              <a:rPr lang="fr-FR"/>
-              <a:t>Modifiez le style du titre</a:t>
-            </a:r>
-          </a:p>
-        </p:txBody>
-      </p:sp>
-      <p:sp>
-        <p:nvSpPr>
-          <p:cNvPr id="3" name="Espace réservé du texte vertical 2"/>
-          <p:cNvSpPr>
-            <a:spLocks noGrp="1"/>
-          </p:cNvSpPr>
-          <p:nvPr>
-            <p:ph type="body" orient="vert" idx="1"/>
-          </p:nvPr>
-        </p:nvSpPr>
-        <p:spPr/>
-        <p:txBody>
-          <a:bodyPr vert="eaVert"/>
-          <a:lstStyle/>
-          <a:p>
-            <a:pPr lvl="0"/>
-            <a:r>
-              <a:rPr lang="fr-FR"/>
-              <a:t>Modifier les styles du texte du masque</a:t>
-            </a:r>
-          </a:p>
-          <a:p>
-            <a:pPr lvl="1"/>
-            <a:r>
-              <a:rPr lang="fr-FR"/>
-              <a:t>Deuxième niveau</a:t>
-            </a:r>
-          </a:p>
-          <a:p>
-            <a:pPr lvl="2"/>
-            <a:r>
-              <a:rPr lang="fr-FR"/>
-              <a:t>Troisième niveau</a:t>
-            </a:r>
-          </a:p>
-          <a:p>
-            <a:pPr lvl="3"/>
-            <a:r>
-              <a:rPr lang="fr-FR"/>
-              <a:t>Quatrième niveau</a:t>
-            </a:r>
-          </a:p>
-          <a:p>
-            <a:pPr lvl="4"/>
-            <a:r>
-              <a:rPr lang="fr-FR"/>
-              <a:t>Cinquième niveau</a:t>
-            </a:r>
-          </a:p>
-        </p:txBody>
-      </p:sp>
-      <p:sp>
-        <p:nvSpPr>
-          <p:cNvPr id="4" name="Espace réservé de la date 3"/>
-          <p:cNvSpPr>
-            <a:spLocks noGrp="1"/>
-          </p:cNvSpPr>
-          <p:nvPr>
-            <p:ph type="dt" sz="half" idx="10"/>
-          </p:nvPr>
-        </p:nvSpPr>
-        <p:spPr/>
-        <p:txBody>
-          <a:bodyPr/>
-          <a:lstStyle/>
-          <a:p>
-            <a:fld id="{D0150167-DB67-48AE-815C-989A285B9410}" type="datetime1">
-              <a:rPr lang="fr-FR" smtClean="0"/>
-              <a:t>21/11/2016</a:t>
-            </a:fld>
-            <a:endParaRPr lang="fr-FR"/>
-          </a:p>
-        </p:txBody>
-      </p:sp>
-      <p:sp>
-        <p:nvSpPr>
-          <p:cNvPr id="5" name="Espace réservé du pied de page 4"/>
-          <p:cNvSpPr>
-            <a:spLocks noGrp="1"/>
-          </p:cNvSpPr>
-          <p:nvPr>
-            <p:ph type="ftr" sz="quarter" idx="11"/>
-          </p:nvPr>
-        </p:nvSpPr>
-        <p:spPr/>
-        <p:txBody>
-          <a:bodyPr/>
-          <a:lstStyle/>
-          <a:p>
-            <a:r>
-              <a:rPr lang="fr-FR"/>
-              <a:t>Galt – PI S5 IL – Itération 1</a:t>
-            </a:r>
-          </a:p>
-        </p:txBody>
-      </p:sp>
-      <p:sp>
-        <p:nvSpPr>
-          <p:cNvPr id="6" name="Espace réservé du numéro de diapositive 5"/>
-          <p:cNvSpPr>
-            <a:spLocks noGrp="1"/>
-          </p:cNvSpPr>
-          <p:nvPr>
-            <p:ph type="sldNum" sz="quarter" idx="12"/>
-          </p:nvPr>
-        </p:nvSpPr>
-        <p:spPr/>
-        <p:txBody>
-          <a:bodyPr/>
-          <a:lstStyle/>
-          <a:p>
-            <a:fld id="{CE35DAD6-85E4-415C-A280-4771D4FE3E59}" type="slidenum">
-              <a:rPr lang="fr-FR" smtClean="0"/>
-              <a:t>‹N°›</a:t>
-            </a:fld>
-            <a:endParaRPr lang="fr-FR"/>
-          </a:p>
-        </p:txBody>
-      </p:sp>
-    </p:spTree>
-    <p:extLst>
-      <p:ext uri="{BB962C8B-B14F-4D97-AF65-F5344CB8AC3E}">
-        <p14:creationId xmlns:p14="http://schemas.microsoft.com/office/powerpoint/2010/main" val="3534049336"/>
-      </p:ext>
-    </p:extLst>
-  </p:cSld>
-  <p:clrMapOvr>
-    <a:masterClrMapping/>
-  </p:clrMapOvr>
-</p:sldLayout>
-</file>
-
-<file path=ppt/slideLayouts/slideLayout11.xml><?xml version="1.0" encoding="utf-8"?>
-<p:sldLayout xmlns:a="http://schemas.openxmlformats.org/drawingml/2006/main" xmlns:r="http://schemas.openxmlformats.org/officeDocument/2006/relationships" xmlns:p="http://schemas.openxmlformats.org/presentationml/2006/main" type="vertTitleAndTx" preserve="1">
-  <p:cSld name="Titre vertical et texte">
-    <p:spTree>
-      <p:nvGrpSpPr>
-        <p:cNvPr id="1" name=""/>
-        <p:cNvGrpSpPr/>
-        <p:nvPr/>
-      </p:nvGrpSpPr>
-      <p:grpSpPr>
-        <a:xfrm>
-          <a:off x="0" y="0"/>
-          <a:ext cx="0" cy="0"/>
-          <a:chOff x="0" y="0"/>
-          <a:chExt cx="0" cy="0"/>
-        </a:xfrm>
-      </p:grpSpPr>
-      <p:sp>
-        <p:nvSpPr>
-          <p:cNvPr id="2" name="Titre vertical 1"/>
-          <p:cNvSpPr>
-            <a:spLocks noGrp="1"/>
-          </p:cNvSpPr>
-          <p:nvPr>
-            <p:ph type="title" orient="vert"/>
-          </p:nvPr>
-        </p:nvSpPr>
-        <p:spPr>
-          <a:xfrm>
-            <a:off x="7213947" y="402483"/>
-            <a:ext cx="2173635" cy="6406475"/>
-          </a:xfrm>
-        </p:spPr>
-        <p:txBody>
-          <a:bodyPr vert="eaVert"/>
-          <a:lstStyle/>
-          <a:p>
-            <a:r>
-              <a:rPr lang="fr-FR"/>
-              <a:t>Modifiez le style du titre</a:t>
-            </a:r>
-          </a:p>
-        </p:txBody>
-      </p:sp>
-      <p:sp>
-        <p:nvSpPr>
-          <p:cNvPr id="3" name="Espace réservé du texte vertical 2"/>
-          <p:cNvSpPr>
-            <a:spLocks noGrp="1"/>
-          </p:cNvSpPr>
-          <p:nvPr>
-            <p:ph type="body" orient="vert" idx="1"/>
-          </p:nvPr>
-        </p:nvSpPr>
-        <p:spPr>
-          <a:xfrm>
-            <a:off x="693043" y="402483"/>
-            <a:ext cx="6394896" cy="6406475"/>
-          </a:xfrm>
-        </p:spPr>
-        <p:txBody>
-          <a:bodyPr vert="eaVert"/>
-          <a:lstStyle/>
-          <a:p>
-            <a:pPr lvl="0"/>
-            <a:r>
-              <a:rPr lang="fr-FR"/>
-              <a:t>Modifier les styles du texte du masque</a:t>
-            </a:r>
-          </a:p>
-          <a:p>
-            <a:pPr lvl="1"/>
-            <a:r>
-              <a:rPr lang="fr-FR"/>
-              <a:t>Deuxième niveau</a:t>
-            </a:r>
-          </a:p>
-          <a:p>
-            <a:pPr lvl="2"/>
-            <a:r>
-              <a:rPr lang="fr-FR"/>
-              <a:t>Troisième niveau</a:t>
-            </a:r>
-          </a:p>
-          <a:p>
-            <a:pPr lvl="3"/>
-            <a:r>
-              <a:rPr lang="fr-FR"/>
-              <a:t>Quatrième niveau</a:t>
-            </a:r>
-          </a:p>
-          <a:p>
-            <a:pPr lvl="4"/>
-            <a:r>
-              <a:rPr lang="fr-FR"/>
-              <a:t>Cinquième niveau</a:t>
-            </a:r>
-          </a:p>
-        </p:txBody>
-      </p:sp>
-      <p:sp>
-        <p:nvSpPr>
-          <p:cNvPr id="4" name="Espace réservé de la date 3"/>
-          <p:cNvSpPr>
-            <a:spLocks noGrp="1"/>
-          </p:cNvSpPr>
-          <p:nvPr>
-            <p:ph type="dt" sz="half" idx="10"/>
-          </p:nvPr>
-        </p:nvSpPr>
-        <p:spPr/>
-        <p:txBody>
-          <a:bodyPr/>
-          <a:lstStyle/>
-          <a:p>
-            <a:fld id="{DF07C22F-CFCC-4AAD-85BE-6196114EF788}" type="datetime1">
-              <a:rPr lang="fr-FR" smtClean="0"/>
-              <a:t>21/11/2016</a:t>
-            </a:fld>
-            <a:endParaRPr lang="fr-FR"/>
-          </a:p>
-        </p:txBody>
-      </p:sp>
-      <p:sp>
-        <p:nvSpPr>
-          <p:cNvPr id="5" name="Espace réservé du pied de page 4"/>
-          <p:cNvSpPr>
-            <a:spLocks noGrp="1"/>
-          </p:cNvSpPr>
-          <p:nvPr>
-            <p:ph type="ftr" sz="quarter" idx="11"/>
-          </p:nvPr>
-        </p:nvSpPr>
-        <p:spPr/>
-        <p:txBody>
-          <a:bodyPr/>
-          <a:lstStyle/>
-          <a:p>
-            <a:r>
-              <a:rPr lang="fr-FR"/>
-              <a:t>Galt – PI S5 IL – Itération 1</a:t>
-            </a:r>
-          </a:p>
-        </p:txBody>
-      </p:sp>
-      <p:sp>
-        <p:nvSpPr>
-          <p:cNvPr id="6" name="Espace réservé du numéro de diapositive 5"/>
-          <p:cNvSpPr>
-            <a:spLocks noGrp="1"/>
-          </p:cNvSpPr>
-          <p:nvPr>
-            <p:ph type="sldNum" sz="quarter" idx="12"/>
-          </p:nvPr>
-        </p:nvSpPr>
-        <p:spPr/>
-        <p:txBody>
-          <a:bodyPr/>
-          <a:lstStyle/>
-          <a:p>
-            <a:fld id="{CE35DAD6-85E4-415C-A280-4771D4FE3E59}" type="slidenum">
-              <a:rPr lang="fr-FR" smtClean="0"/>
-              <a:t>‹N°›</a:t>
-            </a:fld>
-            <a:endParaRPr lang="fr-FR"/>
-          </a:p>
-        </p:txBody>
-      </p:sp>
-    </p:spTree>
-    <p:extLst>
-      <p:ext uri="{BB962C8B-B14F-4D97-AF65-F5344CB8AC3E}">
-        <p14:creationId xmlns:p14="http://schemas.microsoft.com/office/powerpoint/2010/main" val="137318146"/>
-      </p:ext>
-    </p:extLst>
-  </p:cSld>
-  <p:clrMapOvr>
-    <a:masterClrMapping/>
-  </p:clrMapOvr>
-</p:sldLayout>
-</file>
-
 <file path=ppt/slideLayouts/slideLayout2.xml><?xml version="1.0" encoding="utf-8"?>
 <p:sldLayout xmlns:a="http://schemas.openxmlformats.org/drawingml/2006/main" xmlns:r="http://schemas.openxmlformats.org/officeDocument/2006/relationships" xmlns:p="http://schemas.openxmlformats.org/presentationml/2006/main" type="obj" preserve="1">
   <p:cSld name="Titre et contenu">
@@ -2568,8 +2218,8 @@
 </file>
 
 <file path=ppt/slideLayouts/slideLayout4.xml><?xml version="1.0" encoding="utf-8"?>
-<p:sldLayout xmlns:a="http://schemas.openxmlformats.org/drawingml/2006/main" xmlns:r="http://schemas.openxmlformats.org/officeDocument/2006/relationships" xmlns:p="http://schemas.openxmlformats.org/presentationml/2006/main" type="twoObj" preserve="1">
-  <p:cSld name="Deux contenus">
+<p:sldLayout xmlns:a="http://schemas.openxmlformats.org/drawingml/2006/main" xmlns:r="http://schemas.openxmlformats.org/officeDocument/2006/relationships" xmlns:p="http://schemas.openxmlformats.org/presentationml/2006/main" preserve="1" userDrawn="1">
+  <p:cSld name="1_Titre et contenu">
     <p:spTree>
       <p:nvGrpSpPr>
         <p:cNvPr id="1" name=""/>
@@ -2584,166 +2234,252 @@
           <a:chExt cx="0" cy="0"/>
         </a:xfrm>
       </p:grpSpPr>
-      <p:sp>
-        <p:nvSpPr>
-          <p:cNvPr id="2" name="Titre 1"/>
-          <p:cNvSpPr>
-            <a:spLocks noGrp="1"/>
-          </p:cNvSpPr>
-          <p:nvPr>
-            <p:ph type="title"/>
-          </p:nvPr>
-        </p:nvSpPr>
-        <p:spPr/>
-        <p:txBody>
-          <a:bodyPr/>
-          <a:lstStyle/>
-          <a:p>
-            <a:r>
-              <a:rPr lang="fr-FR"/>
-              <a:t>Modifiez le style du titre</a:t>
-            </a:r>
-          </a:p>
-        </p:txBody>
-      </p:sp>
-      <p:sp>
-        <p:nvSpPr>
-          <p:cNvPr id="3" name="Espace réservé du contenu 2"/>
-          <p:cNvSpPr>
-            <a:spLocks noGrp="1"/>
-          </p:cNvSpPr>
-          <p:nvPr>
-            <p:ph sz="half" idx="1"/>
-          </p:nvPr>
-        </p:nvSpPr>
+      <p:pic>
+        <p:nvPicPr>
+          <p:cNvPr id="11" name="Image 10"/>
+          <p:cNvPicPr>
+            <a:picLocks noChangeAspect="1"/>
+          </p:cNvPicPr>
+          <p:nvPr userDrawn="1"/>
+        </p:nvPicPr>
+        <p:blipFill>
+          <a:blip r:embed="rId2">
+            <a:extLst>
+              <a:ext uri="{28A0092B-C50C-407E-A947-70E740481C1C}">
+                <a14:useLocalDpi xmlns:a14="http://schemas.microsoft.com/office/drawing/2010/main" val="0"/>
+              </a:ext>
+            </a:extLst>
+          </a:blip>
+          <a:stretch>
+            <a:fillRect/>
+          </a:stretch>
+        </p:blipFill>
         <p:spPr>
           <a:xfrm>
-            <a:off x="693043" y="2012414"/>
-            <a:ext cx="4284266" cy="4796544"/>
+            <a:off x="7231145" y="5976631"/>
+            <a:ext cx="2849480" cy="1583044"/>
           </a:xfrm>
+          <a:prstGeom prst="rect">
+            <a:avLst/>
+          </a:prstGeom>
         </p:spPr>
-        <p:txBody>
-          <a:bodyPr/>
-          <a:lstStyle/>
-          <a:p>
-            <a:pPr lvl="0"/>
-            <a:r>
-              <a:rPr lang="fr-FR"/>
-              <a:t>Modifier les styles du texte du masque</a:t>
-            </a:r>
-          </a:p>
-          <a:p>
-            <a:pPr lvl="1"/>
-            <a:r>
-              <a:rPr lang="fr-FR"/>
-              <a:t>Deuxième niveau</a:t>
-            </a:r>
-          </a:p>
-          <a:p>
-            <a:pPr lvl="2"/>
-            <a:r>
-              <a:rPr lang="fr-FR"/>
-              <a:t>Troisième niveau</a:t>
-            </a:r>
-          </a:p>
-          <a:p>
-            <a:pPr lvl="3"/>
-            <a:r>
-              <a:rPr lang="fr-FR"/>
-              <a:t>Quatrième niveau</a:t>
-            </a:r>
-          </a:p>
-          <a:p>
-            <a:pPr lvl="4"/>
-            <a:r>
-              <a:rPr lang="fr-FR"/>
-              <a:t>Cinquième niveau</a:t>
-            </a:r>
-          </a:p>
-        </p:txBody>
-      </p:sp>
-      <p:sp>
-        <p:nvSpPr>
-          <p:cNvPr id="4" name="Espace réservé du contenu 3"/>
-          <p:cNvSpPr>
-            <a:spLocks noGrp="1"/>
-          </p:cNvSpPr>
-          <p:nvPr>
-            <p:ph sz="half" idx="2"/>
-          </p:nvPr>
+      </p:pic>
+      <p:sp>
+        <p:nvSpPr>
+          <p:cNvPr id="9" name="Rectangle 8"/>
+          <p:cNvSpPr/>
+          <p:nvPr userDrawn="1"/>
         </p:nvSpPr>
         <p:spPr>
           <a:xfrm>
-            <a:off x="5103316" y="2012414"/>
-            <a:ext cx="4284266" cy="4796544"/>
+            <a:off x="6982281" y="4410686"/>
+            <a:ext cx="3565800" cy="3565800"/>
           </a:xfrm>
+          <a:prstGeom prst="rect">
+            <a:avLst/>
+          </a:prstGeom>
+          <a:blipFill dpi="0" rotWithShape="1">
+            <a:blip r:embed="rId3">
+              <a:alphaModFix amt="58000"/>
+            </a:blip>
+            <a:srcRect/>
+            <a:stretch>
+              <a:fillRect/>
+            </a:stretch>
+          </a:blipFill>
+          <a:ln>
+            <a:noFill/>
+          </a:ln>
         </p:spPr>
+        <p:style>
+          <a:lnRef idx="2">
+            <a:schemeClr val="accent1">
+              <a:shade val="50000"/>
+            </a:schemeClr>
+          </a:lnRef>
+          <a:fillRef idx="1">
+            <a:schemeClr val="accent1"/>
+          </a:fillRef>
+          <a:effectRef idx="0">
+            <a:schemeClr val="accent1"/>
+          </a:effectRef>
+          <a:fontRef idx="minor">
+            <a:schemeClr val="lt1"/>
+          </a:fontRef>
+        </p:style>
+        <p:txBody>
+          <a:bodyPr rtlCol="0" anchor="ctr"/>
+          <a:lstStyle/>
+          <a:p>
+            <a:pPr algn="ctr"/>
+            <a:endParaRPr lang="fr-FR"/>
+          </a:p>
+        </p:txBody>
+      </p:sp>
+      <p:sp>
+        <p:nvSpPr>
+          <p:cNvPr id="3" name="Espace réservé du contenu 2"/>
+          <p:cNvSpPr>
+            <a:spLocks noGrp="1"/>
+          </p:cNvSpPr>
+          <p:nvPr>
+            <p:ph idx="1"/>
+          </p:nvPr>
+        </p:nvSpPr>
+        <p:spPr/>
+        <p:txBody>
+          <a:bodyPr>
+            <a:normAutofit/>
+          </a:bodyPr>
+          <a:lstStyle>
+            <a:lvl1pPr marL="361950" indent="-361950">
+              <a:lnSpc>
+                <a:spcPct val="200000"/>
+              </a:lnSpc>
+              <a:buSzPct val="120000"/>
+              <a:buFontTx/>
+              <a:buBlip>
+                <a:blip r:embed="rId3"/>
+              </a:buBlip>
+              <a:defRPr lang="fr-FR" sz="1800" strike="noStrike" kern="1200" spc="-1" dirty="0" smtClean="0">
+                <a:solidFill>
+                  <a:schemeClr val="accent5">
+                    <a:lumMod val="50000"/>
+                  </a:schemeClr>
+                </a:solidFill>
+                <a:uFill>
+                  <a:solidFill>
+                    <a:srgbClr val="FFFFFF"/>
+                  </a:solidFill>
+                </a:uFill>
+                <a:latin typeface="Leelawadee" panose="020B0502040204020203" pitchFamily="34" charset="-34"/>
+                <a:ea typeface="+mn-ea"/>
+                <a:cs typeface="Leelawadee" panose="020B0502040204020203" pitchFamily="34" charset="-34"/>
+              </a:defRPr>
+            </a:lvl1pPr>
+            <a:lvl2pPr>
+              <a:defRPr lang="fr-FR" sz="1800" strike="noStrike" kern="1200" spc="-1" dirty="0" smtClean="0">
+                <a:solidFill>
+                  <a:schemeClr val="accent5">
+                    <a:lumMod val="50000"/>
+                  </a:schemeClr>
+                </a:solidFill>
+                <a:uFill>
+                  <a:solidFill>
+                    <a:srgbClr val="FFFFFF"/>
+                  </a:solidFill>
+                </a:uFill>
+                <a:latin typeface="Leelawadee" panose="020B0502040204020203" pitchFamily="34" charset="-34"/>
+                <a:ea typeface="+mn-ea"/>
+                <a:cs typeface="Leelawadee" panose="020B0502040204020203" pitchFamily="34" charset="-34"/>
+              </a:defRPr>
+            </a:lvl2pPr>
+            <a:lvl3pPr>
+              <a:defRPr lang="fr-FR" sz="1800" strike="noStrike" kern="1200" spc="-1" dirty="0" smtClean="0">
+                <a:solidFill>
+                  <a:schemeClr val="accent5">
+                    <a:lumMod val="50000"/>
+                  </a:schemeClr>
+                </a:solidFill>
+                <a:uFill>
+                  <a:solidFill>
+                    <a:srgbClr val="FFFFFF"/>
+                  </a:solidFill>
+                </a:uFill>
+                <a:latin typeface="Leelawadee" panose="020B0502040204020203" pitchFamily="34" charset="-34"/>
+                <a:ea typeface="+mn-ea"/>
+                <a:cs typeface="Leelawadee" panose="020B0502040204020203" pitchFamily="34" charset="-34"/>
+              </a:defRPr>
+            </a:lvl3pPr>
+            <a:lvl4pPr>
+              <a:defRPr lang="fr-FR" sz="1800" strike="noStrike" kern="1200" spc="-1" dirty="0" smtClean="0">
+                <a:solidFill>
+                  <a:schemeClr val="accent5">
+                    <a:lumMod val="50000"/>
+                  </a:schemeClr>
+                </a:solidFill>
+                <a:uFill>
+                  <a:solidFill>
+                    <a:srgbClr val="FFFFFF"/>
+                  </a:solidFill>
+                </a:uFill>
+                <a:latin typeface="Leelawadee" panose="020B0502040204020203" pitchFamily="34" charset="-34"/>
+                <a:ea typeface="+mn-ea"/>
+                <a:cs typeface="Leelawadee" panose="020B0502040204020203" pitchFamily="34" charset="-34"/>
+              </a:defRPr>
+            </a:lvl4pPr>
+            <a:lvl5pPr>
+              <a:defRPr lang="fr-FR" sz="1800" strike="noStrike" kern="1200" spc="-1" dirty="0">
+                <a:solidFill>
+                  <a:schemeClr val="accent5">
+                    <a:lumMod val="50000"/>
+                  </a:schemeClr>
+                </a:solidFill>
+                <a:uFill>
+                  <a:solidFill>
+                    <a:srgbClr val="FFFFFF"/>
+                  </a:solidFill>
+                </a:uFill>
+                <a:latin typeface="Leelawadee" panose="020B0502040204020203" pitchFamily="34" charset="-34"/>
+                <a:ea typeface="+mn-ea"/>
+                <a:cs typeface="Leelawadee" panose="020B0502040204020203" pitchFamily="34" charset="-34"/>
+              </a:defRPr>
+            </a:lvl5pPr>
+          </a:lstStyle>
+          <a:p>
+            <a:pPr lvl="0"/>
+            <a:r>
+              <a:rPr lang="fr-FR" dirty="0"/>
+              <a:t>Modifier les styles du texte du masque</a:t>
+            </a:r>
+          </a:p>
+        </p:txBody>
+      </p:sp>
+      <p:sp>
+        <p:nvSpPr>
+          <p:cNvPr id="4" name="Espace réservé de la date 3"/>
+          <p:cNvSpPr>
+            <a:spLocks noGrp="1"/>
+          </p:cNvSpPr>
+          <p:nvPr>
+            <p:ph type="dt" sz="half" idx="10"/>
+          </p:nvPr>
+        </p:nvSpPr>
+        <p:spPr>
+          <a:xfrm>
+            <a:off x="1376276" y="7159200"/>
+            <a:ext cx="988120" cy="402483"/>
+          </a:xfrm>
+          <a:solidFill>
+            <a:schemeClr val="accent5">
+              <a:lumMod val="50000"/>
+            </a:schemeClr>
+          </a:solidFill>
+        </p:spPr>
         <p:txBody>
           <a:bodyPr/>
-          <a:lstStyle/>
-          <a:p>
-            <a:pPr lvl="0"/>
-            <a:r>
-              <a:rPr lang="fr-FR"/>
-              <a:t>Modifier les styles du texte du masque</a:t>
-            </a:r>
-          </a:p>
-          <a:p>
-            <a:pPr lvl="1"/>
-            <a:r>
-              <a:rPr lang="fr-FR"/>
-              <a:t>Deuxième niveau</a:t>
-            </a:r>
-          </a:p>
-          <a:p>
-            <a:pPr lvl="2"/>
-            <a:r>
-              <a:rPr lang="fr-FR"/>
-              <a:t>Troisième niveau</a:t>
-            </a:r>
-          </a:p>
-          <a:p>
-            <a:pPr lvl="3"/>
-            <a:r>
-              <a:rPr lang="fr-FR"/>
-              <a:t>Quatrième niveau</a:t>
-            </a:r>
-          </a:p>
-          <a:p>
-            <a:pPr lvl="4"/>
-            <a:r>
-              <a:rPr lang="fr-FR"/>
-              <a:t>Cinquième niveau</a:t>
-            </a:r>
-          </a:p>
-        </p:txBody>
-      </p:sp>
-      <p:sp>
-        <p:nvSpPr>
-          <p:cNvPr id="5" name="Espace réservé de la date 4"/>
-          <p:cNvSpPr>
-            <a:spLocks noGrp="1"/>
-          </p:cNvSpPr>
-          <p:nvPr>
-            <p:ph type="dt" sz="half" idx="10"/>
-          </p:nvPr>
-        </p:nvSpPr>
-        <p:spPr/>
-        <p:txBody>
-          <a:bodyPr/>
-          <a:lstStyle/>
-          <a:p>
-            <a:fld id="{F76D856D-7132-4157-A039-CF702331B8D5}" type="datetime1">
+          <a:lstStyle>
+            <a:lvl1pPr algn="ctr">
+              <a:defRPr sz="1200">
+                <a:solidFill>
+                  <a:schemeClr val="bg1"/>
+                </a:solidFill>
+              </a:defRPr>
+            </a:lvl1pPr>
+          </a:lstStyle>
+          <a:p>
+            <a:fld id="{9905D2EB-A0C9-4269-BED7-F488BFFF1574}" type="datetime1">
               <a:rPr lang="fr-FR" smtClean="0"/>
+              <a:pPr/>
               <a:t>21/11/2016</a:t>
             </a:fld>
-            <a:endParaRPr lang="fr-FR"/>
-          </a:p>
-        </p:txBody>
-      </p:sp>
-      <p:sp>
-        <p:nvSpPr>
-          <p:cNvPr id="6" name="Espace réservé du pied de page 5"/>
+            <a:endParaRPr lang="fr-FR" dirty="0"/>
+          </a:p>
+        </p:txBody>
+      </p:sp>
+      <p:sp>
+        <p:nvSpPr>
+          <p:cNvPr id="5" name="Espace réservé du pied de page 4"/>
           <p:cNvSpPr>
             <a:spLocks noGrp="1"/>
           </p:cNvSpPr>
@@ -2751,13 +2487,31 @@
             <p:ph type="ftr" sz="quarter" idx="11"/>
           </p:nvPr>
         </p:nvSpPr>
-        <p:spPr/>
+        <p:spPr>
+          <a:xfrm>
+            <a:off x="2735262" y="7159201"/>
+            <a:ext cx="2305050" cy="402483"/>
+          </a:xfrm>
+          <a:solidFill>
+            <a:schemeClr val="accent5">
+              <a:lumMod val="50000"/>
+            </a:schemeClr>
+          </a:solidFill>
+        </p:spPr>
         <p:txBody>
           <a:bodyPr/>
-          <a:lstStyle/>
-          <a:p>
-            <a:r>
-              <a:rPr lang="fr-FR"/>
+          <a:lstStyle>
+            <a:lvl1pPr>
+              <a:defRPr sz="1200">
+                <a:solidFill>
+                  <a:schemeClr val="bg1"/>
+                </a:solidFill>
+              </a:defRPr>
+            </a:lvl1pPr>
+          </a:lstStyle>
+          <a:p>
+            <a:r>
+              <a:rPr lang="fr-FR" dirty="0"/>
               <a:t>Galt – PI S5 IL – Itération 1</a:t>
             </a:r>
           </a:p>
@@ -2765,7 +2519,7 @@
       </p:sp>
       <p:sp>
         <p:nvSpPr>
-          <p:cNvPr id="7" name="Espace réservé du numéro de diapositive 6"/>
+          <p:cNvPr id="6" name="Espace réservé du numéro de diapositive 5"/>
           <p:cNvSpPr>
             <a:spLocks noGrp="1"/>
           </p:cNvSpPr>
@@ -2773,1141 +2527,42 @@
             <p:ph type="sldNum" sz="quarter" idx="12"/>
           </p:nvPr>
         </p:nvSpPr>
-        <p:spPr/>
+        <p:spPr>
+          <a:xfrm>
+            <a:off x="5411178" y="7157192"/>
+            <a:ext cx="458265" cy="402483"/>
+          </a:xfrm>
+          <a:solidFill>
+            <a:schemeClr val="accent5">
+              <a:lumMod val="50000"/>
+            </a:schemeClr>
+          </a:solidFill>
+        </p:spPr>
         <p:txBody>
           <a:bodyPr/>
-          <a:lstStyle/>
+          <a:lstStyle>
+            <a:lvl1pPr algn="ctr">
+              <a:defRPr sz="1200">
+                <a:solidFill>
+                  <a:schemeClr val="bg1"/>
+                </a:solidFill>
+              </a:defRPr>
+            </a:lvl1pPr>
+          </a:lstStyle>
           <a:p>
             <a:fld id="{CE35DAD6-85E4-415C-A280-4771D4FE3E59}" type="slidenum">
               <a:rPr lang="fr-FR" smtClean="0"/>
+              <a:pPr/>
               <a:t>‹N°›</a:t>
             </a:fld>
-            <a:endParaRPr lang="fr-FR"/>
+            <a:endParaRPr lang="fr-FR" dirty="0"/>
           </a:p>
         </p:txBody>
       </p:sp>
     </p:spTree>
     <p:extLst>
       <p:ext uri="{BB962C8B-B14F-4D97-AF65-F5344CB8AC3E}">
-        <p14:creationId xmlns:p14="http://schemas.microsoft.com/office/powerpoint/2010/main" val="1620596888"/>
-      </p:ext>
-    </p:extLst>
-  </p:cSld>
-  <p:clrMapOvr>
-    <a:masterClrMapping/>
-  </p:clrMapOvr>
-</p:sldLayout>
-</file>
-
-<file path=ppt/slideLayouts/slideLayout5.xml><?xml version="1.0" encoding="utf-8"?>
-<p:sldLayout xmlns:a="http://schemas.openxmlformats.org/drawingml/2006/main" xmlns:r="http://schemas.openxmlformats.org/officeDocument/2006/relationships" xmlns:p="http://schemas.openxmlformats.org/presentationml/2006/main" type="twoTxTwoObj" preserve="1">
-  <p:cSld name="Comparaison">
-    <p:spTree>
-      <p:nvGrpSpPr>
-        <p:cNvPr id="1" name=""/>
-        <p:cNvGrpSpPr/>
-        <p:nvPr/>
-      </p:nvGrpSpPr>
-      <p:grpSpPr>
-        <a:xfrm>
-          <a:off x="0" y="0"/>
-          <a:ext cx="0" cy="0"/>
-          <a:chOff x="0" y="0"/>
-          <a:chExt cx="0" cy="0"/>
-        </a:xfrm>
-      </p:grpSpPr>
-      <p:sp>
-        <p:nvSpPr>
-          <p:cNvPr id="2" name="Titre 1"/>
-          <p:cNvSpPr>
-            <a:spLocks noGrp="1"/>
-          </p:cNvSpPr>
-          <p:nvPr>
-            <p:ph type="title"/>
-          </p:nvPr>
-        </p:nvSpPr>
-        <p:spPr>
-          <a:xfrm>
-            <a:off x="694356" y="402483"/>
-            <a:ext cx="8694539" cy="1461188"/>
-          </a:xfrm>
-        </p:spPr>
-        <p:txBody>
-          <a:bodyPr/>
-          <a:lstStyle/>
-          <a:p>
-            <a:r>
-              <a:rPr lang="fr-FR"/>
-              <a:t>Modifiez le style du titre</a:t>
-            </a:r>
-          </a:p>
-        </p:txBody>
-      </p:sp>
-      <p:sp>
-        <p:nvSpPr>
-          <p:cNvPr id="3" name="Espace réservé du texte 2"/>
-          <p:cNvSpPr>
-            <a:spLocks noGrp="1"/>
-          </p:cNvSpPr>
-          <p:nvPr>
-            <p:ph type="body" idx="1"/>
-          </p:nvPr>
-        </p:nvSpPr>
-        <p:spPr>
-          <a:xfrm>
-            <a:off x="694357" y="1853171"/>
-            <a:ext cx="4264576" cy="908210"/>
-          </a:xfrm>
-        </p:spPr>
-        <p:txBody>
-          <a:bodyPr anchor="b"/>
-          <a:lstStyle>
-            <a:lvl1pPr marL="0" indent="0">
-              <a:buNone/>
-              <a:defRPr sz="1984" b="1"/>
-            </a:lvl1pPr>
-            <a:lvl2pPr marL="378013" indent="0">
-              <a:buNone/>
-              <a:defRPr sz="1654" b="1"/>
-            </a:lvl2pPr>
-            <a:lvl3pPr marL="756026" indent="0">
-              <a:buNone/>
-              <a:defRPr sz="1488" b="1"/>
-            </a:lvl3pPr>
-            <a:lvl4pPr marL="1134039" indent="0">
-              <a:buNone/>
-              <a:defRPr sz="1323" b="1"/>
-            </a:lvl4pPr>
-            <a:lvl5pPr marL="1512052" indent="0">
-              <a:buNone/>
-              <a:defRPr sz="1323" b="1"/>
-            </a:lvl5pPr>
-            <a:lvl6pPr marL="1890065" indent="0">
-              <a:buNone/>
-              <a:defRPr sz="1323" b="1"/>
-            </a:lvl6pPr>
-            <a:lvl7pPr marL="2268078" indent="0">
-              <a:buNone/>
-              <a:defRPr sz="1323" b="1"/>
-            </a:lvl7pPr>
-            <a:lvl8pPr marL="2646091" indent="0">
-              <a:buNone/>
-              <a:defRPr sz="1323" b="1"/>
-            </a:lvl8pPr>
-            <a:lvl9pPr marL="3024104" indent="0">
-              <a:buNone/>
-              <a:defRPr sz="1323" b="1"/>
-            </a:lvl9pPr>
-          </a:lstStyle>
-          <a:p>
-            <a:pPr lvl="0"/>
-            <a:r>
-              <a:rPr lang="fr-FR"/>
-              <a:t>Modifier les styles du texte du masque</a:t>
-            </a:r>
-          </a:p>
-        </p:txBody>
-      </p:sp>
-      <p:sp>
-        <p:nvSpPr>
-          <p:cNvPr id="4" name="Espace réservé du contenu 3"/>
-          <p:cNvSpPr>
-            <a:spLocks noGrp="1"/>
-          </p:cNvSpPr>
-          <p:nvPr>
-            <p:ph sz="half" idx="2"/>
-          </p:nvPr>
-        </p:nvSpPr>
-        <p:spPr>
-          <a:xfrm>
-            <a:off x="694357" y="2761381"/>
-            <a:ext cx="4264576" cy="4061576"/>
-          </a:xfrm>
-        </p:spPr>
-        <p:txBody>
-          <a:bodyPr/>
-          <a:lstStyle/>
-          <a:p>
-            <a:pPr lvl="0"/>
-            <a:r>
-              <a:rPr lang="fr-FR"/>
-              <a:t>Modifier les styles du texte du masque</a:t>
-            </a:r>
-          </a:p>
-          <a:p>
-            <a:pPr lvl="1"/>
-            <a:r>
-              <a:rPr lang="fr-FR"/>
-              <a:t>Deuxième niveau</a:t>
-            </a:r>
-          </a:p>
-          <a:p>
-            <a:pPr lvl="2"/>
-            <a:r>
-              <a:rPr lang="fr-FR"/>
-              <a:t>Troisième niveau</a:t>
-            </a:r>
-          </a:p>
-          <a:p>
-            <a:pPr lvl="3"/>
-            <a:r>
-              <a:rPr lang="fr-FR"/>
-              <a:t>Quatrième niveau</a:t>
-            </a:r>
-          </a:p>
-          <a:p>
-            <a:pPr lvl="4"/>
-            <a:r>
-              <a:rPr lang="fr-FR"/>
-              <a:t>Cinquième niveau</a:t>
-            </a:r>
-          </a:p>
-        </p:txBody>
-      </p:sp>
-      <p:sp>
-        <p:nvSpPr>
-          <p:cNvPr id="5" name="Espace réservé du texte 4"/>
-          <p:cNvSpPr>
-            <a:spLocks noGrp="1"/>
-          </p:cNvSpPr>
-          <p:nvPr>
-            <p:ph type="body" sz="quarter" idx="3"/>
-          </p:nvPr>
-        </p:nvSpPr>
-        <p:spPr>
-          <a:xfrm>
-            <a:off x="5103316" y="1853171"/>
-            <a:ext cx="4285579" cy="908210"/>
-          </a:xfrm>
-        </p:spPr>
-        <p:txBody>
-          <a:bodyPr anchor="b"/>
-          <a:lstStyle>
-            <a:lvl1pPr marL="0" indent="0">
-              <a:buNone/>
-              <a:defRPr sz="1984" b="1"/>
-            </a:lvl1pPr>
-            <a:lvl2pPr marL="378013" indent="0">
-              <a:buNone/>
-              <a:defRPr sz="1654" b="1"/>
-            </a:lvl2pPr>
-            <a:lvl3pPr marL="756026" indent="0">
-              <a:buNone/>
-              <a:defRPr sz="1488" b="1"/>
-            </a:lvl3pPr>
-            <a:lvl4pPr marL="1134039" indent="0">
-              <a:buNone/>
-              <a:defRPr sz="1323" b="1"/>
-            </a:lvl4pPr>
-            <a:lvl5pPr marL="1512052" indent="0">
-              <a:buNone/>
-              <a:defRPr sz="1323" b="1"/>
-            </a:lvl5pPr>
-            <a:lvl6pPr marL="1890065" indent="0">
-              <a:buNone/>
-              <a:defRPr sz="1323" b="1"/>
-            </a:lvl6pPr>
-            <a:lvl7pPr marL="2268078" indent="0">
-              <a:buNone/>
-              <a:defRPr sz="1323" b="1"/>
-            </a:lvl7pPr>
-            <a:lvl8pPr marL="2646091" indent="0">
-              <a:buNone/>
-              <a:defRPr sz="1323" b="1"/>
-            </a:lvl8pPr>
-            <a:lvl9pPr marL="3024104" indent="0">
-              <a:buNone/>
-              <a:defRPr sz="1323" b="1"/>
-            </a:lvl9pPr>
-          </a:lstStyle>
-          <a:p>
-            <a:pPr lvl="0"/>
-            <a:r>
-              <a:rPr lang="fr-FR"/>
-              <a:t>Modifier les styles du texte du masque</a:t>
-            </a:r>
-          </a:p>
-        </p:txBody>
-      </p:sp>
-      <p:sp>
-        <p:nvSpPr>
-          <p:cNvPr id="6" name="Espace réservé du contenu 5"/>
-          <p:cNvSpPr>
-            <a:spLocks noGrp="1"/>
-          </p:cNvSpPr>
-          <p:nvPr>
-            <p:ph sz="quarter" idx="4"/>
-          </p:nvPr>
-        </p:nvSpPr>
-        <p:spPr>
-          <a:xfrm>
-            <a:off x="5103316" y="2761381"/>
-            <a:ext cx="4285579" cy="4061576"/>
-          </a:xfrm>
-        </p:spPr>
-        <p:txBody>
-          <a:bodyPr/>
-          <a:lstStyle/>
-          <a:p>
-            <a:pPr lvl="0"/>
-            <a:r>
-              <a:rPr lang="fr-FR"/>
-              <a:t>Modifier les styles du texte du masque</a:t>
-            </a:r>
-          </a:p>
-          <a:p>
-            <a:pPr lvl="1"/>
-            <a:r>
-              <a:rPr lang="fr-FR"/>
-              <a:t>Deuxième niveau</a:t>
-            </a:r>
-          </a:p>
-          <a:p>
-            <a:pPr lvl="2"/>
-            <a:r>
-              <a:rPr lang="fr-FR"/>
-              <a:t>Troisième niveau</a:t>
-            </a:r>
-          </a:p>
-          <a:p>
-            <a:pPr lvl="3"/>
-            <a:r>
-              <a:rPr lang="fr-FR"/>
-              <a:t>Quatrième niveau</a:t>
-            </a:r>
-          </a:p>
-          <a:p>
-            <a:pPr lvl="4"/>
-            <a:r>
-              <a:rPr lang="fr-FR"/>
-              <a:t>Cinquième niveau</a:t>
-            </a:r>
-          </a:p>
-        </p:txBody>
-      </p:sp>
-      <p:sp>
-        <p:nvSpPr>
-          <p:cNvPr id="7" name="Espace réservé de la date 6"/>
-          <p:cNvSpPr>
-            <a:spLocks noGrp="1"/>
-          </p:cNvSpPr>
-          <p:nvPr>
-            <p:ph type="dt" sz="half" idx="10"/>
-          </p:nvPr>
-        </p:nvSpPr>
-        <p:spPr/>
-        <p:txBody>
-          <a:bodyPr/>
-          <a:lstStyle/>
-          <a:p>
-            <a:fld id="{FCBF5032-FAF2-4AA7-A70E-1DE20563A11B}" type="datetime1">
-              <a:rPr lang="fr-FR" smtClean="0"/>
-              <a:t>21/11/2016</a:t>
-            </a:fld>
-            <a:endParaRPr lang="fr-FR"/>
-          </a:p>
-        </p:txBody>
-      </p:sp>
-      <p:sp>
-        <p:nvSpPr>
-          <p:cNvPr id="8" name="Espace réservé du pied de page 7"/>
-          <p:cNvSpPr>
-            <a:spLocks noGrp="1"/>
-          </p:cNvSpPr>
-          <p:nvPr>
-            <p:ph type="ftr" sz="quarter" idx="11"/>
-          </p:nvPr>
-        </p:nvSpPr>
-        <p:spPr/>
-        <p:txBody>
-          <a:bodyPr/>
-          <a:lstStyle/>
-          <a:p>
-            <a:r>
-              <a:rPr lang="fr-FR"/>
-              <a:t>Galt – PI S5 IL – Itération 1</a:t>
-            </a:r>
-          </a:p>
-        </p:txBody>
-      </p:sp>
-      <p:sp>
-        <p:nvSpPr>
-          <p:cNvPr id="9" name="Espace réservé du numéro de diapositive 8"/>
-          <p:cNvSpPr>
-            <a:spLocks noGrp="1"/>
-          </p:cNvSpPr>
-          <p:nvPr>
-            <p:ph type="sldNum" sz="quarter" idx="12"/>
-          </p:nvPr>
-        </p:nvSpPr>
-        <p:spPr/>
-        <p:txBody>
-          <a:bodyPr/>
-          <a:lstStyle/>
-          <a:p>
-            <a:fld id="{CE35DAD6-85E4-415C-A280-4771D4FE3E59}" type="slidenum">
-              <a:rPr lang="fr-FR" smtClean="0"/>
-              <a:t>‹N°›</a:t>
-            </a:fld>
-            <a:endParaRPr lang="fr-FR"/>
-          </a:p>
-        </p:txBody>
-      </p:sp>
-    </p:spTree>
-    <p:extLst>
-      <p:ext uri="{BB962C8B-B14F-4D97-AF65-F5344CB8AC3E}">
-        <p14:creationId xmlns:p14="http://schemas.microsoft.com/office/powerpoint/2010/main" val="3747564223"/>
-      </p:ext>
-    </p:extLst>
-  </p:cSld>
-  <p:clrMapOvr>
-    <a:masterClrMapping/>
-  </p:clrMapOvr>
-</p:sldLayout>
-</file>
-
-<file path=ppt/slideLayouts/slideLayout6.xml><?xml version="1.0" encoding="utf-8"?>
-<p:sldLayout xmlns:a="http://schemas.openxmlformats.org/drawingml/2006/main" xmlns:r="http://schemas.openxmlformats.org/officeDocument/2006/relationships" xmlns:p="http://schemas.openxmlformats.org/presentationml/2006/main" type="titleOnly" preserve="1">
-  <p:cSld name="Titre seul">
-    <p:spTree>
-      <p:nvGrpSpPr>
-        <p:cNvPr id="1" name=""/>
-        <p:cNvGrpSpPr/>
-        <p:nvPr/>
-      </p:nvGrpSpPr>
-      <p:grpSpPr>
-        <a:xfrm>
-          <a:off x="0" y="0"/>
-          <a:ext cx="0" cy="0"/>
-          <a:chOff x="0" y="0"/>
-          <a:chExt cx="0" cy="0"/>
-        </a:xfrm>
-      </p:grpSpPr>
-      <p:sp>
-        <p:nvSpPr>
-          <p:cNvPr id="2" name="Titre 1"/>
-          <p:cNvSpPr>
-            <a:spLocks noGrp="1"/>
-          </p:cNvSpPr>
-          <p:nvPr>
-            <p:ph type="title"/>
-          </p:nvPr>
-        </p:nvSpPr>
-        <p:spPr/>
-        <p:txBody>
-          <a:bodyPr/>
-          <a:lstStyle/>
-          <a:p>
-            <a:r>
-              <a:rPr lang="fr-FR"/>
-              <a:t>Modifiez le style du titre</a:t>
-            </a:r>
-          </a:p>
-        </p:txBody>
-      </p:sp>
-      <p:sp>
-        <p:nvSpPr>
-          <p:cNvPr id="3" name="Espace réservé de la date 2"/>
-          <p:cNvSpPr>
-            <a:spLocks noGrp="1"/>
-          </p:cNvSpPr>
-          <p:nvPr>
-            <p:ph type="dt" sz="half" idx="10"/>
-          </p:nvPr>
-        </p:nvSpPr>
-        <p:spPr/>
-        <p:txBody>
-          <a:bodyPr/>
-          <a:lstStyle/>
-          <a:p>
-            <a:fld id="{5B39B4BA-208E-4A91-835F-819C41282C96}" type="datetime1">
-              <a:rPr lang="fr-FR" smtClean="0"/>
-              <a:t>21/11/2016</a:t>
-            </a:fld>
-            <a:endParaRPr lang="fr-FR"/>
-          </a:p>
-        </p:txBody>
-      </p:sp>
-      <p:sp>
-        <p:nvSpPr>
-          <p:cNvPr id="4" name="Espace réservé du pied de page 3"/>
-          <p:cNvSpPr>
-            <a:spLocks noGrp="1"/>
-          </p:cNvSpPr>
-          <p:nvPr>
-            <p:ph type="ftr" sz="quarter" idx="11"/>
-          </p:nvPr>
-        </p:nvSpPr>
-        <p:spPr/>
-        <p:txBody>
-          <a:bodyPr/>
-          <a:lstStyle/>
-          <a:p>
-            <a:r>
-              <a:rPr lang="fr-FR"/>
-              <a:t>Galt – PI S5 IL – Itération 1</a:t>
-            </a:r>
-          </a:p>
-        </p:txBody>
-      </p:sp>
-      <p:sp>
-        <p:nvSpPr>
-          <p:cNvPr id="5" name="Espace réservé du numéro de diapositive 4"/>
-          <p:cNvSpPr>
-            <a:spLocks noGrp="1"/>
-          </p:cNvSpPr>
-          <p:nvPr>
-            <p:ph type="sldNum" sz="quarter" idx="12"/>
-          </p:nvPr>
-        </p:nvSpPr>
-        <p:spPr/>
-        <p:txBody>
-          <a:bodyPr/>
-          <a:lstStyle/>
-          <a:p>
-            <a:fld id="{CE35DAD6-85E4-415C-A280-4771D4FE3E59}" type="slidenum">
-              <a:rPr lang="fr-FR" smtClean="0"/>
-              <a:t>‹N°›</a:t>
-            </a:fld>
-            <a:endParaRPr lang="fr-FR"/>
-          </a:p>
-        </p:txBody>
-      </p:sp>
-    </p:spTree>
-    <p:extLst>
-      <p:ext uri="{BB962C8B-B14F-4D97-AF65-F5344CB8AC3E}">
-        <p14:creationId xmlns:p14="http://schemas.microsoft.com/office/powerpoint/2010/main" val="3939135890"/>
-      </p:ext>
-    </p:extLst>
-  </p:cSld>
-  <p:clrMapOvr>
-    <a:masterClrMapping/>
-  </p:clrMapOvr>
-</p:sldLayout>
-</file>
-
-<file path=ppt/slideLayouts/slideLayout7.xml><?xml version="1.0" encoding="utf-8"?>
-<p:sldLayout xmlns:a="http://schemas.openxmlformats.org/drawingml/2006/main" xmlns:r="http://schemas.openxmlformats.org/officeDocument/2006/relationships" xmlns:p="http://schemas.openxmlformats.org/presentationml/2006/main" type="blank" preserve="1">
-  <p:cSld name="Vide">
-    <p:spTree>
-      <p:nvGrpSpPr>
-        <p:cNvPr id="1" name=""/>
-        <p:cNvGrpSpPr/>
-        <p:nvPr/>
-      </p:nvGrpSpPr>
-      <p:grpSpPr>
-        <a:xfrm>
-          <a:off x="0" y="0"/>
-          <a:ext cx="0" cy="0"/>
-          <a:chOff x="0" y="0"/>
-          <a:chExt cx="0" cy="0"/>
-        </a:xfrm>
-      </p:grpSpPr>
-      <p:sp>
-        <p:nvSpPr>
-          <p:cNvPr id="2" name="Espace réservé de la date 1"/>
-          <p:cNvSpPr>
-            <a:spLocks noGrp="1"/>
-          </p:cNvSpPr>
-          <p:nvPr>
-            <p:ph type="dt" sz="half" idx="10"/>
-          </p:nvPr>
-        </p:nvSpPr>
-        <p:spPr/>
-        <p:txBody>
-          <a:bodyPr/>
-          <a:lstStyle/>
-          <a:p>
-            <a:fld id="{22BD55AD-9052-4E25-B05B-88989C2E37BE}" type="datetime1">
-              <a:rPr lang="fr-FR" smtClean="0"/>
-              <a:t>21/11/2016</a:t>
-            </a:fld>
-            <a:endParaRPr lang="fr-FR"/>
-          </a:p>
-        </p:txBody>
-      </p:sp>
-      <p:sp>
-        <p:nvSpPr>
-          <p:cNvPr id="3" name="Espace réservé du pied de page 2"/>
-          <p:cNvSpPr>
-            <a:spLocks noGrp="1"/>
-          </p:cNvSpPr>
-          <p:nvPr>
-            <p:ph type="ftr" sz="quarter" idx="11"/>
-          </p:nvPr>
-        </p:nvSpPr>
-        <p:spPr/>
-        <p:txBody>
-          <a:bodyPr/>
-          <a:lstStyle/>
-          <a:p>
-            <a:r>
-              <a:rPr lang="fr-FR"/>
-              <a:t>Galt – PI S5 IL – Itération 1</a:t>
-            </a:r>
-          </a:p>
-        </p:txBody>
-      </p:sp>
-      <p:sp>
-        <p:nvSpPr>
-          <p:cNvPr id="4" name="Espace réservé du numéro de diapositive 3"/>
-          <p:cNvSpPr>
-            <a:spLocks noGrp="1"/>
-          </p:cNvSpPr>
-          <p:nvPr>
-            <p:ph type="sldNum" sz="quarter" idx="12"/>
-          </p:nvPr>
-        </p:nvSpPr>
-        <p:spPr/>
-        <p:txBody>
-          <a:bodyPr/>
-          <a:lstStyle/>
-          <a:p>
-            <a:fld id="{CE35DAD6-85E4-415C-A280-4771D4FE3E59}" type="slidenum">
-              <a:rPr lang="fr-FR" smtClean="0"/>
-              <a:t>‹N°›</a:t>
-            </a:fld>
-            <a:endParaRPr lang="fr-FR"/>
-          </a:p>
-        </p:txBody>
-      </p:sp>
-    </p:spTree>
-    <p:extLst>
-      <p:ext uri="{BB962C8B-B14F-4D97-AF65-F5344CB8AC3E}">
-        <p14:creationId xmlns:p14="http://schemas.microsoft.com/office/powerpoint/2010/main" val="3677707373"/>
-      </p:ext>
-    </p:extLst>
-  </p:cSld>
-  <p:clrMapOvr>
-    <a:masterClrMapping/>
-  </p:clrMapOvr>
-</p:sldLayout>
-</file>
-
-<file path=ppt/slideLayouts/slideLayout8.xml><?xml version="1.0" encoding="utf-8"?>
-<p:sldLayout xmlns:a="http://schemas.openxmlformats.org/drawingml/2006/main" xmlns:r="http://schemas.openxmlformats.org/officeDocument/2006/relationships" xmlns:p="http://schemas.openxmlformats.org/presentationml/2006/main" type="objTx" preserve="1">
-  <p:cSld name="Contenu avec légende">
-    <p:spTree>
-      <p:nvGrpSpPr>
-        <p:cNvPr id="1" name=""/>
-        <p:cNvGrpSpPr/>
-        <p:nvPr/>
-      </p:nvGrpSpPr>
-      <p:grpSpPr>
-        <a:xfrm>
-          <a:off x="0" y="0"/>
-          <a:ext cx="0" cy="0"/>
-          <a:chOff x="0" y="0"/>
-          <a:chExt cx="0" cy="0"/>
-        </a:xfrm>
-      </p:grpSpPr>
-      <p:sp>
-        <p:nvSpPr>
-          <p:cNvPr id="2" name="Titre 1"/>
-          <p:cNvSpPr>
-            <a:spLocks noGrp="1"/>
-          </p:cNvSpPr>
-          <p:nvPr>
-            <p:ph type="title"/>
-          </p:nvPr>
-        </p:nvSpPr>
-        <p:spPr>
-          <a:xfrm>
-            <a:off x="694356" y="503978"/>
-            <a:ext cx="3251264" cy="1763924"/>
-          </a:xfrm>
-        </p:spPr>
-        <p:txBody>
-          <a:bodyPr anchor="b"/>
-          <a:lstStyle>
-            <a:lvl1pPr>
-              <a:defRPr sz="2646"/>
-            </a:lvl1pPr>
-          </a:lstStyle>
-          <a:p>
-            <a:r>
-              <a:rPr lang="fr-FR"/>
-              <a:t>Modifiez le style du titre</a:t>
-            </a:r>
-          </a:p>
-        </p:txBody>
-      </p:sp>
-      <p:sp>
-        <p:nvSpPr>
-          <p:cNvPr id="3" name="Espace réservé du contenu 2"/>
-          <p:cNvSpPr>
-            <a:spLocks noGrp="1"/>
-          </p:cNvSpPr>
-          <p:nvPr>
-            <p:ph idx="1"/>
-          </p:nvPr>
-        </p:nvSpPr>
-        <p:spPr>
-          <a:xfrm>
-            <a:off x="4285579" y="1088454"/>
-            <a:ext cx="5103316" cy="5372269"/>
-          </a:xfrm>
-        </p:spPr>
-        <p:txBody>
-          <a:bodyPr/>
-          <a:lstStyle>
-            <a:lvl1pPr>
-              <a:defRPr sz="2646"/>
-            </a:lvl1pPr>
-            <a:lvl2pPr>
-              <a:defRPr sz="2315"/>
-            </a:lvl2pPr>
-            <a:lvl3pPr>
-              <a:defRPr sz="1984"/>
-            </a:lvl3pPr>
-            <a:lvl4pPr>
-              <a:defRPr sz="1654"/>
-            </a:lvl4pPr>
-            <a:lvl5pPr>
-              <a:defRPr sz="1654"/>
-            </a:lvl5pPr>
-            <a:lvl6pPr>
-              <a:defRPr sz="1654"/>
-            </a:lvl6pPr>
-            <a:lvl7pPr>
-              <a:defRPr sz="1654"/>
-            </a:lvl7pPr>
-            <a:lvl8pPr>
-              <a:defRPr sz="1654"/>
-            </a:lvl8pPr>
-            <a:lvl9pPr>
-              <a:defRPr sz="1654"/>
-            </a:lvl9pPr>
-          </a:lstStyle>
-          <a:p>
-            <a:pPr lvl="0"/>
-            <a:r>
-              <a:rPr lang="fr-FR"/>
-              <a:t>Modifier les styles du texte du masque</a:t>
-            </a:r>
-          </a:p>
-          <a:p>
-            <a:pPr lvl="1"/>
-            <a:r>
-              <a:rPr lang="fr-FR"/>
-              <a:t>Deuxième niveau</a:t>
-            </a:r>
-          </a:p>
-          <a:p>
-            <a:pPr lvl="2"/>
-            <a:r>
-              <a:rPr lang="fr-FR"/>
-              <a:t>Troisième niveau</a:t>
-            </a:r>
-          </a:p>
-          <a:p>
-            <a:pPr lvl="3"/>
-            <a:r>
-              <a:rPr lang="fr-FR"/>
-              <a:t>Quatrième niveau</a:t>
-            </a:r>
-          </a:p>
-          <a:p>
-            <a:pPr lvl="4"/>
-            <a:r>
-              <a:rPr lang="fr-FR"/>
-              <a:t>Cinquième niveau</a:t>
-            </a:r>
-          </a:p>
-        </p:txBody>
-      </p:sp>
-      <p:sp>
-        <p:nvSpPr>
-          <p:cNvPr id="4" name="Espace réservé du texte 3"/>
-          <p:cNvSpPr>
-            <a:spLocks noGrp="1"/>
-          </p:cNvSpPr>
-          <p:nvPr>
-            <p:ph type="body" sz="half" idx="2"/>
-          </p:nvPr>
-        </p:nvSpPr>
-        <p:spPr>
-          <a:xfrm>
-            <a:off x="694356" y="2267902"/>
-            <a:ext cx="3251264" cy="4201570"/>
-          </a:xfrm>
-        </p:spPr>
-        <p:txBody>
-          <a:bodyPr/>
-          <a:lstStyle>
-            <a:lvl1pPr marL="0" indent="0">
-              <a:buNone/>
-              <a:defRPr sz="1323"/>
-            </a:lvl1pPr>
-            <a:lvl2pPr marL="378013" indent="0">
-              <a:buNone/>
-              <a:defRPr sz="1158"/>
-            </a:lvl2pPr>
-            <a:lvl3pPr marL="756026" indent="0">
-              <a:buNone/>
-              <a:defRPr sz="992"/>
-            </a:lvl3pPr>
-            <a:lvl4pPr marL="1134039" indent="0">
-              <a:buNone/>
-              <a:defRPr sz="827"/>
-            </a:lvl4pPr>
-            <a:lvl5pPr marL="1512052" indent="0">
-              <a:buNone/>
-              <a:defRPr sz="827"/>
-            </a:lvl5pPr>
-            <a:lvl6pPr marL="1890065" indent="0">
-              <a:buNone/>
-              <a:defRPr sz="827"/>
-            </a:lvl6pPr>
-            <a:lvl7pPr marL="2268078" indent="0">
-              <a:buNone/>
-              <a:defRPr sz="827"/>
-            </a:lvl7pPr>
-            <a:lvl8pPr marL="2646091" indent="0">
-              <a:buNone/>
-              <a:defRPr sz="827"/>
-            </a:lvl8pPr>
-            <a:lvl9pPr marL="3024104" indent="0">
-              <a:buNone/>
-              <a:defRPr sz="827"/>
-            </a:lvl9pPr>
-          </a:lstStyle>
-          <a:p>
-            <a:pPr lvl="0"/>
-            <a:r>
-              <a:rPr lang="fr-FR"/>
-              <a:t>Modifier les styles du texte du masque</a:t>
-            </a:r>
-          </a:p>
-        </p:txBody>
-      </p:sp>
-      <p:sp>
-        <p:nvSpPr>
-          <p:cNvPr id="5" name="Espace réservé de la date 4"/>
-          <p:cNvSpPr>
-            <a:spLocks noGrp="1"/>
-          </p:cNvSpPr>
-          <p:nvPr>
-            <p:ph type="dt" sz="half" idx="10"/>
-          </p:nvPr>
-        </p:nvSpPr>
-        <p:spPr/>
-        <p:txBody>
-          <a:bodyPr/>
-          <a:lstStyle/>
-          <a:p>
-            <a:fld id="{FE1C6AF5-3D97-48D9-A9F8-5FC5FD4CE3DC}" type="datetime1">
-              <a:rPr lang="fr-FR" smtClean="0"/>
-              <a:t>21/11/2016</a:t>
-            </a:fld>
-            <a:endParaRPr lang="fr-FR"/>
-          </a:p>
-        </p:txBody>
-      </p:sp>
-      <p:sp>
-        <p:nvSpPr>
-          <p:cNvPr id="6" name="Espace réservé du pied de page 5"/>
-          <p:cNvSpPr>
-            <a:spLocks noGrp="1"/>
-          </p:cNvSpPr>
-          <p:nvPr>
-            <p:ph type="ftr" sz="quarter" idx="11"/>
-          </p:nvPr>
-        </p:nvSpPr>
-        <p:spPr/>
-        <p:txBody>
-          <a:bodyPr/>
-          <a:lstStyle/>
-          <a:p>
-            <a:r>
-              <a:rPr lang="fr-FR"/>
-              <a:t>Galt – PI S5 IL – Itération 1</a:t>
-            </a:r>
-          </a:p>
-        </p:txBody>
-      </p:sp>
-      <p:sp>
-        <p:nvSpPr>
-          <p:cNvPr id="7" name="Espace réservé du numéro de diapositive 6"/>
-          <p:cNvSpPr>
-            <a:spLocks noGrp="1"/>
-          </p:cNvSpPr>
-          <p:nvPr>
-            <p:ph type="sldNum" sz="quarter" idx="12"/>
-          </p:nvPr>
-        </p:nvSpPr>
-        <p:spPr/>
-        <p:txBody>
-          <a:bodyPr/>
-          <a:lstStyle/>
-          <a:p>
-            <a:fld id="{CE35DAD6-85E4-415C-A280-4771D4FE3E59}" type="slidenum">
-              <a:rPr lang="fr-FR" smtClean="0"/>
-              <a:t>‹N°›</a:t>
-            </a:fld>
-            <a:endParaRPr lang="fr-FR"/>
-          </a:p>
-        </p:txBody>
-      </p:sp>
-    </p:spTree>
-    <p:extLst>
-      <p:ext uri="{BB962C8B-B14F-4D97-AF65-F5344CB8AC3E}">
-        <p14:creationId xmlns:p14="http://schemas.microsoft.com/office/powerpoint/2010/main" val="3619293033"/>
-      </p:ext>
-    </p:extLst>
-  </p:cSld>
-  <p:clrMapOvr>
-    <a:masterClrMapping/>
-  </p:clrMapOvr>
-</p:sldLayout>
-</file>
-
-<file path=ppt/slideLayouts/slideLayout9.xml><?xml version="1.0" encoding="utf-8"?>
-<p:sldLayout xmlns:a="http://schemas.openxmlformats.org/drawingml/2006/main" xmlns:r="http://schemas.openxmlformats.org/officeDocument/2006/relationships" xmlns:p="http://schemas.openxmlformats.org/presentationml/2006/main" type="picTx" preserve="1">
-  <p:cSld name="Image avec légende">
-    <p:spTree>
-      <p:nvGrpSpPr>
-        <p:cNvPr id="1" name=""/>
-        <p:cNvGrpSpPr/>
-        <p:nvPr/>
-      </p:nvGrpSpPr>
-      <p:grpSpPr>
-        <a:xfrm>
-          <a:off x="0" y="0"/>
-          <a:ext cx="0" cy="0"/>
-          <a:chOff x="0" y="0"/>
-          <a:chExt cx="0" cy="0"/>
-        </a:xfrm>
-      </p:grpSpPr>
-      <p:sp>
-        <p:nvSpPr>
-          <p:cNvPr id="2" name="Titre 1"/>
-          <p:cNvSpPr>
-            <a:spLocks noGrp="1"/>
-          </p:cNvSpPr>
-          <p:nvPr>
-            <p:ph type="title"/>
-          </p:nvPr>
-        </p:nvSpPr>
-        <p:spPr>
-          <a:xfrm>
-            <a:off x="694356" y="503978"/>
-            <a:ext cx="3251264" cy="1763924"/>
-          </a:xfrm>
-        </p:spPr>
-        <p:txBody>
-          <a:bodyPr anchor="b"/>
-          <a:lstStyle>
-            <a:lvl1pPr>
-              <a:defRPr sz="2646"/>
-            </a:lvl1pPr>
-          </a:lstStyle>
-          <a:p>
-            <a:r>
-              <a:rPr lang="fr-FR"/>
-              <a:t>Modifiez le style du titre</a:t>
-            </a:r>
-          </a:p>
-        </p:txBody>
-      </p:sp>
-      <p:sp>
-        <p:nvSpPr>
-          <p:cNvPr id="3" name="Espace réservé pour une image  2"/>
-          <p:cNvSpPr>
-            <a:spLocks noGrp="1"/>
-          </p:cNvSpPr>
-          <p:nvPr>
-            <p:ph type="pic" idx="1"/>
-          </p:nvPr>
-        </p:nvSpPr>
-        <p:spPr>
-          <a:xfrm>
-            <a:off x="4285579" y="1088454"/>
-            <a:ext cx="5103316" cy="5372269"/>
-          </a:xfrm>
-        </p:spPr>
-        <p:txBody>
-          <a:bodyPr/>
-          <a:lstStyle>
-            <a:lvl1pPr marL="0" indent="0">
-              <a:buNone/>
-              <a:defRPr sz="2646"/>
-            </a:lvl1pPr>
-            <a:lvl2pPr marL="378013" indent="0">
-              <a:buNone/>
-              <a:defRPr sz="2315"/>
-            </a:lvl2pPr>
-            <a:lvl3pPr marL="756026" indent="0">
-              <a:buNone/>
-              <a:defRPr sz="1984"/>
-            </a:lvl3pPr>
-            <a:lvl4pPr marL="1134039" indent="0">
-              <a:buNone/>
-              <a:defRPr sz="1654"/>
-            </a:lvl4pPr>
-            <a:lvl5pPr marL="1512052" indent="0">
-              <a:buNone/>
-              <a:defRPr sz="1654"/>
-            </a:lvl5pPr>
-            <a:lvl6pPr marL="1890065" indent="0">
-              <a:buNone/>
-              <a:defRPr sz="1654"/>
-            </a:lvl6pPr>
-            <a:lvl7pPr marL="2268078" indent="0">
-              <a:buNone/>
-              <a:defRPr sz="1654"/>
-            </a:lvl7pPr>
-            <a:lvl8pPr marL="2646091" indent="0">
-              <a:buNone/>
-              <a:defRPr sz="1654"/>
-            </a:lvl8pPr>
-            <a:lvl9pPr marL="3024104" indent="0">
-              <a:buNone/>
-              <a:defRPr sz="1654"/>
-            </a:lvl9pPr>
-          </a:lstStyle>
-          <a:p>
-            <a:endParaRPr lang="fr-FR"/>
-          </a:p>
-        </p:txBody>
-      </p:sp>
-      <p:sp>
-        <p:nvSpPr>
-          <p:cNvPr id="4" name="Espace réservé du texte 3"/>
-          <p:cNvSpPr>
-            <a:spLocks noGrp="1"/>
-          </p:cNvSpPr>
-          <p:nvPr>
-            <p:ph type="body" sz="half" idx="2"/>
-          </p:nvPr>
-        </p:nvSpPr>
-        <p:spPr>
-          <a:xfrm>
-            <a:off x="694356" y="2267902"/>
-            <a:ext cx="3251264" cy="4201570"/>
-          </a:xfrm>
-        </p:spPr>
-        <p:txBody>
-          <a:bodyPr/>
-          <a:lstStyle>
-            <a:lvl1pPr marL="0" indent="0">
-              <a:buNone/>
-              <a:defRPr sz="1323"/>
-            </a:lvl1pPr>
-            <a:lvl2pPr marL="378013" indent="0">
-              <a:buNone/>
-              <a:defRPr sz="1158"/>
-            </a:lvl2pPr>
-            <a:lvl3pPr marL="756026" indent="0">
-              <a:buNone/>
-              <a:defRPr sz="992"/>
-            </a:lvl3pPr>
-            <a:lvl4pPr marL="1134039" indent="0">
-              <a:buNone/>
-              <a:defRPr sz="827"/>
-            </a:lvl4pPr>
-            <a:lvl5pPr marL="1512052" indent="0">
-              <a:buNone/>
-              <a:defRPr sz="827"/>
-            </a:lvl5pPr>
-            <a:lvl6pPr marL="1890065" indent="0">
-              <a:buNone/>
-              <a:defRPr sz="827"/>
-            </a:lvl6pPr>
-            <a:lvl7pPr marL="2268078" indent="0">
-              <a:buNone/>
-              <a:defRPr sz="827"/>
-            </a:lvl7pPr>
-            <a:lvl8pPr marL="2646091" indent="0">
-              <a:buNone/>
-              <a:defRPr sz="827"/>
-            </a:lvl8pPr>
-            <a:lvl9pPr marL="3024104" indent="0">
-              <a:buNone/>
-              <a:defRPr sz="827"/>
-            </a:lvl9pPr>
-          </a:lstStyle>
-          <a:p>
-            <a:pPr lvl="0"/>
-            <a:r>
-              <a:rPr lang="fr-FR"/>
-              <a:t>Modifier les styles du texte du masque</a:t>
-            </a:r>
-          </a:p>
-        </p:txBody>
-      </p:sp>
-      <p:sp>
-        <p:nvSpPr>
-          <p:cNvPr id="5" name="Espace réservé de la date 4"/>
-          <p:cNvSpPr>
-            <a:spLocks noGrp="1"/>
-          </p:cNvSpPr>
-          <p:nvPr>
-            <p:ph type="dt" sz="half" idx="10"/>
-          </p:nvPr>
-        </p:nvSpPr>
-        <p:spPr/>
-        <p:txBody>
-          <a:bodyPr/>
-          <a:lstStyle/>
-          <a:p>
-            <a:fld id="{44AD68A8-7045-4761-88BB-6D7C321D776F}" type="datetime1">
-              <a:rPr lang="fr-FR" smtClean="0"/>
-              <a:t>21/11/2016</a:t>
-            </a:fld>
-            <a:endParaRPr lang="fr-FR"/>
-          </a:p>
-        </p:txBody>
-      </p:sp>
-      <p:sp>
-        <p:nvSpPr>
-          <p:cNvPr id="6" name="Espace réservé du pied de page 5"/>
-          <p:cNvSpPr>
-            <a:spLocks noGrp="1"/>
-          </p:cNvSpPr>
-          <p:nvPr>
-            <p:ph type="ftr" sz="quarter" idx="11"/>
-          </p:nvPr>
-        </p:nvSpPr>
-        <p:spPr/>
-        <p:txBody>
-          <a:bodyPr/>
-          <a:lstStyle/>
-          <a:p>
-            <a:r>
-              <a:rPr lang="fr-FR"/>
-              <a:t>Galt – PI S5 IL – Itération 1</a:t>
-            </a:r>
-          </a:p>
-        </p:txBody>
-      </p:sp>
-      <p:sp>
-        <p:nvSpPr>
-          <p:cNvPr id="7" name="Espace réservé du numéro de diapositive 6"/>
-          <p:cNvSpPr>
-            <a:spLocks noGrp="1"/>
-          </p:cNvSpPr>
-          <p:nvPr>
-            <p:ph type="sldNum" sz="quarter" idx="12"/>
-          </p:nvPr>
-        </p:nvSpPr>
-        <p:spPr/>
-        <p:txBody>
-          <a:bodyPr/>
-          <a:lstStyle/>
-          <a:p>
-            <a:fld id="{CE35DAD6-85E4-415C-A280-4771D4FE3E59}" type="slidenum">
-              <a:rPr lang="fr-FR" smtClean="0"/>
-              <a:t>‹N°›</a:t>
-            </a:fld>
-            <a:endParaRPr lang="fr-FR"/>
-          </a:p>
-        </p:txBody>
-      </p:sp>
-    </p:spTree>
-    <p:extLst>
-      <p:ext uri="{BB962C8B-B14F-4D97-AF65-F5344CB8AC3E}">
-        <p14:creationId xmlns:p14="http://schemas.microsoft.com/office/powerpoint/2010/main" val="2089700435"/>
+        <p14:creationId xmlns:p14="http://schemas.microsoft.com/office/powerpoint/2010/main" val="923993337"/>
       </p:ext>
     </p:extLst>
   </p:cSld>
@@ -4224,14 +2879,7 @@
     <p:sldLayoutId id="2147483666" r:id="rId1"/>
     <p:sldLayoutId id="2147483667" r:id="rId2"/>
     <p:sldLayoutId id="2147483668" r:id="rId3"/>
-    <p:sldLayoutId id="2147483669" r:id="rId4"/>
-    <p:sldLayoutId id="2147483670" r:id="rId5"/>
-    <p:sldLayoutId id="2147483671" r:id="rId6"/>
-    <p:sldLayoutId id="2147483672" r:id="rId7"/>
-    <p:sldLayoutId id="2147483673" r:id="rId8"/>
-    <p:sldLayoutId id="2147483674" r:id="rId9"/>
-    <p:sldLayoutId id="2147483675" r:id="rId10"/>
-    <p:sldLayoutId id="2147483676" r:id="rId11"/>
+    <p:sldLayoutId id="2147483677" r:id="rId4"/>
   </p:sldLayoutIdLst>
   <p:hf hdr="0"/>
   <p:txStyles>
@@ -5355,6 +4003,13 @@
   <p:clrMapOvr>
     <a:masterClrMapping/>
   </p:clrMapOvr>
+  <p:timing>
+    <p:tnLst>
+      <p:par>
+        <p:cTn id="1" dur="indefinite" restart="never" nodeType="tmRoot"/>
+      </p:par>
+    </p:tnLst>
+  </p:timing>
 </p:sld>
 </file>
 
@@ -5644,6 +4299,13 @@
   <p:clrMapOvr>
     <a:masterClrMapping/>
   </p:clrMapOvr>
+  <p:timing>
+    <p:tnLst>
+      <p:par>
+        <p:cTn id="1" dur="indefinite" restart="never" nodeType="tmRoot"/>
+      </p:par>
+    </p:tnLst>
+  </p:timing>
 </p:sld>
 </file>
 
@@ -5817,6 +4479,13 @@
   <p:clrMapOvr>
     <a:masterClrMapping/>
   </p:clrMapOvr>
+  <p:timing>
+    <p:tnLst>
+      <p:par>
+        <p:cTn id="1" dur="indefinite" restart="never" nodeType="tmRoot"/>
+      </p:par>
+    </p:tnLst>
+  </p:timing>
 </p:sld>
 </file>
 
@@ -5876,7 +4545,12 @@
             <p:ph idx="1"/>
           </p:nvPr>
         </p:nvSpPr>
-        <p:spPr/>
+        <p:spPr>
+          <a:xfrm>
+            <a:off x="693042" y="1846832"/>
+            <a:ext cx="8694539" cy="4796544"/>
+          </a:xfrm>
+        </p:spPr>
         <p:txBody>
           <a:bodyPr/>
           <a:lstStyle/>
@@ -5887,10 +4561,20 @@
             </a:r>
           </a:p>
           <a:p>
-            <a:r>
-              <a:rPr lang="fr-FR" dirty="0"/>
-              <a:t>Génération automatique d’un arbre déployable à partir de ces informations</a:t>
-            </a:r>
+            <a:pPr>
+              <a:lnSpc>
+                <a:spcPct val="150000"/>
+              </a:lnSpc>
+            </a:pPr>
+            <a:r>
+              <a:rPr lang="fr-FR" dirty="0"/>
+              <a:t>Génération automatique d’un arbre déployable à partir de ces </a:t>
+            </a:r>
+            <a:r>
+              <a:rPr lang="fr-FR" dirty="0" smtClean="0"/>
+              <a:t>informations grâce à D3</a:t>
+            </a:r>
+            <a:endParaRPr lang="fr-FR" dirty="0"/>
           </a:p>
           <a:p>
             <a:r>
@@ -5905,36 +4589,36 @@
             </a:r>
           </a:p>
           <a:p>
-            <a:pPr lvl="1"/>
-            <a:r>
-              <a:rPr lang="fr-FR" dirty="0"/>
-              <a:t>Possibilité de se déplacer dans le graph</a:t>
-            </a:r>
-          </a:p>
-          <a:p>
-            <a:pPr lvl="1"/>
-            <a:r>
-              <a:rPr lang="fr-FR" dirty="0"/>
-              <a:t>Utiliser des données venant d’un fichier </a:t>
-            </a:r>
-            <a:r>
-              <a:rPr lang="fr-FR" dirty="0" err="1"/>
-              <a:t>json</a:t>
+            <a:pPr marL="622300" lvl="1" indent="-361950">
+              <a:lnSpc>
+                <a:spcPct val="150000"/>
+              </a:lnSpc>
+              <a:spcBef>
+                <a:spcPts val="827"/>
+              </a:spcBef>
+              <a:buSzPct val="120000"/>
+              <a:buFont typeface="Wingdings" panose="05000000000000000000" pitchFamily="2" charset="2"/>
+              <a:buChar char="§"/>
+            </a:pPr>
+            <a:r>
+              <a:rPr lang="fr-FR" dirty="0" smtClean="0"/>
+              <a:t>Utiliser </a:t>
+            </a:r>
+            <a:r>
+              <a:rPr lang="fr-FR" dirty="0"/>
+              <a:t>des données venant d’un fichier </a:t>
+            </a:r>
+            <a:r>
+              <a:rPr lang="fr-FR" dirty="0" smtClean="0"/>
+              <a:t>JSON</a:t>
             </a:r>
             <a:endParaRPr lang="fr-FR" dirty="0"/>
-          </a:p>
-          <a:p>
-            <a:pPr lvl="1"/>
-            <a:r>
-              <a:rPr lang="fr-FR"/>
-              <a:t>Améliorer l’aspect graphique</a:t>
-            </a:r>
           </a:p>
           <a:p>
             <a:pPr marL="0" indent="0">
               <a:buNone/>
             </a:pPr>
-            <a:endParaRPr lang="fr-FR"/>
+            <a:endParaRPr lang="fr-FR" dirty="0"/>
           </a:p>
         </p:txBody>
       </p:sp>
@@ -6038,6 +4722,36 @@
           </a:p>
         </p:txBody>
       </p:sp>
+      <p:pic>
+        <p:nvPicPr>
+          <p:cNvPr id="9" name="Image 8"/>
+          <p:cNvPicPr>
+            <a:picLocks noChangeAspect="1"/>
+          </p:cNvPicPr>
+          <p:nvPr/>
+        </p:nvPicPr>
+        <p:blipFill>
+          <a:blip r:embed="rId4">
+            <a:extLst>
+              <a:ext uri="{28A0092B-C50C-407E-A947-70E740481C1C}">
+                <a14:useLocalDpi xmlns:a14="http://schemas.microsoft.com/office/drawing/2010/main" val="0"/>
+              </a:ext>
+            </a:extLst>
+          </a:blip>
+          <a:stretch>
+            <a:fillRect/>
+          </a:stretch>
+        </p:blipFill>
+        <p:spPr>
+          <a:xfrm>
+            <a:off x="2513011" y="5273741"/>
+            <a:ext cx="2044700" cy="1626543"/>
+          </a:xfrm>
+          <a:prstGeom prst="rect">
+            <a:avLst/>
+          </a:prstGeom>
+        </p:spPr>
+      </p:pic>
     </p:spTree>
     <p:extLst>
       <p:ext uri="{BB962C8B-B14F-4D97-AF65-F5344CB8AC3E}">
@@ -6048,6 +4762,13 @@
   <p:clrMapOvr>
     <a:overrideClrMapping bg1="lt1" tx1="dk1" bg2="lt2" tx2="dk2" accent1="accent1" accent2="accent2" accent3="accent3" accent4="accent4" accent5="accent5" accent6="accent6" hlink="hlink" folHlink="folHlink"/>
   </p:clrMapOvr>
+  <p:timing>
+    <p:tnLst>
+      <p:par>
+        <p:cTn id="1" dur="indefinite" restart="never" nodeType="tmRoot"/>
+      </p:par>
+    </p:tnLst>
+  </p:timing>
 </p:sld>
 </file>
 
@@ -6102,7 +4823,7 @@
         </p:nvSpPr>
         <p:spPr>
           <a:xfrm>
-            <a:off x="502124" y="1580335"/>
+            <a:off x="451324" y="1656535"/>
             <a:ext cx="8694539" cy="3634760"/>
           </a:xfrm>
         </p:spPr>
@@ -6308,26 +5029,155 @@
           </a:p>
         </p:txBody>
       </p:sp>
-      <p:sp>
-        <p:nvSpPr>
-          <p:cNvPr id="9" name="Espace réservé du contenu 2"/>
+    </p:spTree>
+    <p:extLst>
+      <p:ext uri="{BB962C8B-B14F-4D97-AF65-F5344CB8AC3E}">
+        <p14:creationId xmlns:p14="http://schemas.microsoft.com/office/powerpoint/2010/main" val="3609783967"/>
+      </p:ext>
+    </p:extLst>
+  </p:cSld>
+  <p:clrMapOvr>
+    <a:masterClrMapping/>
+  </p:clrMapOvr>
+  <p:timing>
+    <p:tnLst>
+      <p:par>
+        <p:cTn id="1" dur="indefinite" restart="never" nodeType="tmRoot"/>
+      </p:par>
+    </p:tnLst>
+  </p:timing>
+</p:sld>
+</file>
+
+<file path=ppt/slides/slide8.xml><?xml version="1.0" encoding="utf-8"?>
+<p:sld xmlns:a="http://schemas.openxmlformats.org/drawingml/2006/main" xmlns:r="http://schemas.openxmlformats.org/officeDocument/2006/relationships" xmlns:p="http://schemas.openxmlformats.org/presentationml/2006/main">
+  <p:cSld>
+    <p:spTree>
+      <p:nvGrpSpPr>
+        <p:cNvPr id="1" name=""/>
+        <p:cNvGrpSpPr/>
+        <p:nvPr/>
+      </p:nvGrpSpPr>
+      <p:grpSpPr>
+        <a:xfrm>
+          <a:off x="0" y="0"/>
+          <a:ext cx="0" cy="0"/>
+          <a:chOff x="0" y="0"/>
+          <a:chExt cx="0" cy="0"/>
+        </a:xfrm>
+      </p:grpSpPr>
+      <p:sp>
+        <p:nvSpPr>
+          <p:cNvPr id="2" name="Titre 1"/>
+          <p:cNvSpPr>
+            <a:spLocks noGrp="1"/>
+          </p:cNvSpPr>
+          <p:nvPr>
+            <p:ph type="title"/>
+          </p:nvPr>
+        </p:nvSpPr>
+        <p:spPr/>
+        <p:txBody>
+          <a:bodyPr/>
+          <a:lstStyle/>
+          <a:p>
+            <a:r>
+              <a:rPr lang="fr-FR" dirty="0" smtClean="0"/>
+              <a:t>	Vision sur l’itération 2</a:t>
+            </a:r>
+            <a:endParaRPr lang="fr-FR" dirty="0"/>
+          </a:p>
+        </p:txBody>
+      </p:sp>
+      <p:sp>
+        <p:nvSpPr>
+          <p:cNvPr id="4" name="Espace réservé de la date 3"/>
+          <p:cNvSpPr>
+            <a:spLocks noGrp="1"/>
+          </p:cNvSpPr>
+          <p:nvPr>
+            <p:ph type="dt" sz="half" idx="10"/>
+          </p:nvPr>
+        </p:nvSpPr>
+        <p:spPr/>
+        <p:txBody>
+          <a:bodyPr/>
+          <a:lstStyle/>
+          <a:p>
+            <a:fld id="{9905D2EB-A0C9-4269-BED7-F488BFFF1574}" type="datetime1">
+              <a:rPr lang="fr-FR" smtClean="0"/>
+              <a:pPr/>
+              <a:t>21/11/2016</a:t>
+            </a:fld>
+            <a:endParaRPr lang="fr-FR" dirty="0"/>
+          </a:p>
+        </p:txBody>
+      </p:sp>
+      <p:sp>
+        <p:nvSpPr>
+          <p:cNvPr id="5" name="Espace réservé du pied de page 4"/>
+          <p:cNvSpPr>
+            <a:spLocks noGrp="1"/>
+          </p:cNvSpPr>
+          <p:nvPr>
+            <p:ph type="ftr" sz="quarter" idx="11"/>
+          </p:nvPr>
+        </p:nvSpPr>
+        <p:spPr/>
+        <p:txBody>
+          <a:bodyPr/>
+          <a:lstStyle/>
+          <a:p>
+            <a:r>
+              <a:rPr lang="fr-FR" smtClean="0"/>
+              <a:t>Galt – PI S5 IL – Itération 1</a:t>
+            </a:r>
+            <a:endParaRPr lang="fr-FR" dirty="0"/>
+          </a:p>
+        </p:txBody>
+      </p:sp>
+      <p:sp>
+        <p:nvSpPr>
+          <p:cNvPr id="6" name="Espace réservé du numéro de diapositive 5"/>
+          <p:cNvSpPr>
+            <a:spLocks noGrp="1"/>
+          </p:cNvSpPr>
+          <p:nvPr>
+            <p:ph type="sldNum" sz="quarter" idx="12"/>
+          </p:nvPr>
+        </p:nvSpPr>
+        <p:spPr/>
+        <p:txBody>
+          <a:bodyPr/>
+          <a:lstStyle/>
+          <a:p>
+            <a:fld id="{CE35DAD6-85E4-415C-A280-4771D4FE3E59}" type="slidenum">
+              <a:rPr lang="fr-FR" smtClean="0"/>
+              <a:pPr/>
+              <a:t>8</a:t>
+            </a:fld>
+            <a:endParaRPr lang="fr-FR" dirty="0"/>
+          </a:p>
+        </p:txBody>
+      </p:sp>
+      <p:sp>
+        <p:nvSpPr>
+          <p:cNvPr id="7" name="Espace réservé du contenu 2"/>
           <p:cNvSpPr txBox="1">
-            <a:spLocks/>
-          </p:cNvSpPr>
-          <p:nvPr/>
+            <a:spLocks noGrp="1"/>
+          </p:cNvSpPr>
+          <p:nvPr>
+            <p:ph idx="1"/>
+          </p:nvPr>
         </p:nvSpPr>
         <p:spPr>
-          <a:xfrm>
-            <a:off x="502124" y="5215095"/>
-            <a:ext cx="6491530" cy="1547201"/>
-          </a:xfrm>
           <a:prstGeom prst="rect">
             <a:avLst/>
           </a:prstGeom>
         </p:spPr>
         <p:txBody>
           <a:bodyPr vert="horz" lIns="91440" tIns="45720" rIns="91440" bIns="45720" rtlCol="0">
-            <a:normAutofit lnSpcReduction="10000"/>
+            <a:normAutofit/>
           </a:bodyPr>
           <a:lstStyle>
             <a:lvl1pPr marL="361950" indent="-361950" algn="l" defTabSz="756026" rtl="0" eaLnBrk="1" latinLnBrk="0" hangingPunct="1">
@@ -6340,7 +5190,7 @@
               <a:buSzPct val="120000"/>
               <a:buFontTx/>
               <a:buBlip>
-                <a:blip r:embed="rId3"/>
+                <a:blip r:embed="rId2"/>
               </a:buBlip>
               <a:defRPr lang="fr-FR" sz="1800" strike="noStrike" kern="1200" spc="-1" dirty="0" smtClean="0">
                 <a:solidFill>
@@ -6555,7 +5405,41 @@
             </a:r>
             <a:r>
               <a:rPr lang="fr-FR" dirty="0"/>
-              <a:t> Packages</a:t>
+              <a:t> </a:t>
+            </a:r>
+            <a:r>
+              <a:rPr lang="fr-FR" dirty="0" smtClean="0"/>
+              <a:t>Packages</a:t>
+            </a:r>
+          </a:p>
+          <a:p>
+            <a:pPr marL="622300">
+              <a:lnSpc>
+                <a:spcPct val="150000"/>
+              </a:lnSpc>
+              <a:buFont typeface="Wingdings" panose="05000000000000000000" pitchFamily="2" charset="2"/>
+              <a:buChar char="§"/>
+            </a:pPr>
+            <a:r>
+              <a:rPr lang="fr-FR" dirty="0"/>
+              <a:t>Possibilité de se déplacer dans le </a:t>
+            </a:r>
+            <a:r>
+              <a:rPr lang="fr-FR" dirty="0" smtClean="0"/>
+              <a:t>graph</a:t>
+            </a:r>
+          </a:p>
+          <a:p>
+            <a:pPr marL="622300">
+              <a:lnSpc>
+                <a:spcPct val="150000"/>
+              </a:lnSpc>
+              <a:buFont typeface="Wingdings" panose="05000000000000000000" pitchFamily="2" charset="2"/>
+              <a:buChar char="§"/>
+            </a:pPr>
+            <a:r>
+              <a:rPr lang="fr-FR" dirty="0"/>
+              <a:t>Améliorer l’aspect graphique</a:t>
             </a:r>
           </a:p>
           <a:p>
@@ -6569,6 +5453,26 @@
             <a:endParaRPr lang="fr-FR" dirty="0"/>
           </a:p>
           <a:p>
+            <a:pPr marL="622300">
+              <a:lnSpc>
+                <a:spcPct val="150000"/>
+              </a:lnSpc>
+              <a:buFont typeface="Wingdings" panose="05000000000000000000" pitchFamily="2" charset="2"/>
+              <a:buChar char="§"/>
+            </a:pPr>
+            <a:endParaRPr lang="fr-FR" dirty="0"/>
+          </a:p>
+          <a:p>
+            <a:pPr marL="622300">
+              <a:lnSpc>
+                <a:spcPct val="150000"/>
+              </a:lnSpc>
+              <a:buFont typeface="Wingdings" panose="05000000000000000000" pitchFamily="2" charset="2"/>
+              <a:buChar char="§"/>
+            </a:pPr>
+            <a:endParaRPr lang="fr-FR" dirty="0"/>
+          </a:p>
+          <a:p>
             <a:pPr>
               <a:lnSpc>
                 <a:spcPct val="150000"/>
@@ -6593,13 +5497,224 @@
     </p:spTree>
     <p:extLst>
       <p:ext uri="{BB962C8B-B14F-4D97-AF65-F5344CB8AC3E}">
-        <p14:creationId xmlns:p14="http://schemas.microsoft.com/office/powerpoint/2010/main" val="3609783967"/>
+        <p14:creationId xmlns:p14="http://schemas.microsoft.com/office/powerpoint/2010/main" val="2408390862"/>
       </p:ext>
     </p:extLst>
   </p:cSld>
   <p:clrMapOvr>
     <a:masterClrMapping/>
   </p:clrMapOvr>
+  <p:timing>
+    <p:tnLst>
+      <p:par>
+        <p:cTn id="1" dur="indefinite" restart="never" nodeType="tmRoot"/>
+      </p:par>
+    </p:tnLst>
+  </p:timing>
+</p:sld>
+</file>
+
+<file path=ppt/slides/slide9.xml><?xml version="1.0" encoding="utf-8"?>
+<p:sld xmlns:a="http://schemas.openxmlformats.org/drawingml/2006/main" xmlns:r="http://schemas.openxmlformats.org/officeDocument/2006/relationships" xmlns:p="http://schemas.openxmlformats.org/presentationml/2006/main">
+  <p:cSld>
+    <p:spTree>
+      <p:nvGrpSpPr>
+        <p:cNvPr id="1" name=""/>
+        <p:cNvGrpSpPr/>
+        <p:nvPr/>
+      </p:nvGrpSpPr>
+      <p:grpSpPr>
+        <a:xfrm>
+          <a:off x="0" y="0"/>
+          <a:ext cx="0" cy="0"/>
+          <a:chOff x="0" y="0"/>
+          <a:chExt cx="0" cy="0"/>
+        </a:xfrm>
+      </p:grpSpPr>
+      <p:sp>
+        <p:nvSpPr>
+          <p:cNvPr id="10" name="ZoneTexte 9"/>
+          <p:cNvSpPr txBox="1"/>
+          <p:nvPr/>
+        </p:nvSpPr>
+        <p:spPr>
+          <a:xfrm>
+            <a:off x="2997199" y="470812"/>
+            <a:ext cx="4114800" cy="6468290"/>
+          </a:xfrm>
+          <a:prstGeom prst="rect">
+            <a:avLst/>
+          </a:prstGeom>
+          <a:noFill/>
+        </p:spPr>
+        <p:txBody>
+          <a:bodyPr wrap="square" rtlCol="0" anchor="ctr">
+            <a:spAutoFit/>
+          </a:bodyPr>
+          <a:lstStyle/>
+          <a:p>
+            <a:pPr algn="ctr"/>
+            <a:r>
+              <a:rPr lang="fr-FR" sz="41300" b="1" dirty="0" smtClean="0">
+                <a:solidFill>
+                  <a:schemeClr val="accent5">
+                    <a:lumMod val="20000"/>
+                    <a:lumOff val="80000"/>
+                  </a:schemeClr>
+                </a:solidFill>
+                <a:latin typeface="Mangal" panose="02040503050203030202" pitchFamily="18" charset="0"/>
+                <a:cs typeface="Mangal" panose="02040503050203030202" pitchFamily="18" charset="0"/>
+              </a:rPr>
+              <a:t>?</a:t>
+            </a:r>
+            <a:endParaRPr lang="fr-FR" sz="41300" b="1" dirty="0">
+              <a:solidFill>
+                <a:schemeClr val="accent5">
+                  <a:lumMod val="20000"/>
+                  <a:lumOff val="80000"/>
+                </a:schemeClr>
+              </a:solidFill>
+              <a:latin typeface="Mangal" panose="02040503050203030202" pitchFamily="18" charset="0"/>
+              <a:cs typeface="Mangal" panose="02040503050203030202" pitchFamily="18" charset="0"/>
+            </a:endParaRPr>
+          </a:p>
+        </p:txBody>
+      </p:sp>
+      <p:sp>
+        <p:nvSpPr>
+          <p:cNvPr id="9" name="Espace réservé du contenu 8"/>
+          <p:cNvSpPr>
+            <a:spLocks noGrp="1"/>
+          </p:cNvSpPr>
+          <p:nvPr>
+            <p:ph idx="1"/>
+          </p:nvPr>
+        </p:nvSpPr>
+        <p:spPr>
+          <a:xfrm>
+            <a:off x="3251200" y="3282414"/>
+            <a:ext cx="3606799" cy="845086"/>
+          </a:xfrm>
+          <a:solidFill>
+            <a:schemeClr val="accent5">
+              <a:lumMod val="50000"/>
+            </a:schemeClr>
+          </a:solidFill>
+        </p:spPr>
+        <p:txBody>
+          <a:bodyPr anchor="ctr"/>
+          <a:lstStyle/>
+          <a:p>
+            <a:pPr marL="0" indent="0" algn="ctr">
+              <a:lnSpc>
+                <a:spcPct val="100000"/>
+              </a:lnSpc>
+              <a:buNone/>
+            </a:pPr>
+            <a:r>
+              <a:rPr lang="fr-FR" dirty="0" smtClean="0">
+                <a:solidFill>
+                  <a:schemeClr val="bg1"/>
+                </a:solidFill>
+              </a:rPr>
+              <a:t>Avez-vous des questions ?</a:t>
+            </a:r>
+            <a:endParaRPr lang="fr-FR" dirty="0">
+              <a:solidFill>
+                <a:schemeClr val="bg1"/>
+              </a:solidFill>
+            </a:endParaRPr>
+          </a:p>
+        </p:txBody>
+      </p:sp>
+      <p:sp>
+        <p:nvSpPr>
+          <p:cNvPr id="4" name="Espace réservé de la date 3"/>
+          <p:cNvSpPr>
+            <a:spLocks noGrp="1"/>
+          </p:cNvSpPr>
+          <p:nvPr>
+            <p:ph type="dt" sz="half" idx="10"/>
+          </p:nvPr>
+        </p:nvSpPr>
+        <p:spPr/>
+        <p:txBody>
+          <a:bodyPr/>
+          <a:lstStyle/>
+          <a:p>
+            <a:fld id="{9905D2EB-A0C9-4269-BED7-F488BFFF1574}" type="datetime1">
+              <a:rPr lang="fr-FR" smtClean="0"/>
+              <a:pPr/>
+              <a:t>21/11/2016</a:t>
+            </a:fld>
+            <a:endParaRPr lang="fr-FR" dirty="0"/>
+          </a:p>
+        </p:txBody>
+      </p:sp>
+      <p:sp>
+        <p:nvSpPr>
+          <p:cNvPr id="5" name="Espace réservé du pied de page 4"/>
+          <p:cNvSpPr>
+            <a:spLocks noGrp="1"/>
+          </p:cNvSpPr>
+          <p:nvPr>
+            <p:ph type="ftr" sz="quarter" idx="11"/>
+          </p:nvPr>
+        </p:nvSpPr>
+        <p:spPr/>
+        <p:txBody>
+          <a:bodyPr/>
+          <a:lstStyle/>
+          <a:p>
+            <a:r>
+              <a:rPr lang="fr-FR" smtClean="0"/>
+              <a:t>Galt – PI S5 IL – Itération 1</a:t>
+            </a:r>
+            <a:endParaRPr lang="fr-FR" dirty="0"/>
+          </a:p>
+        </p:txBody>
+      </p:sp>
+      <p:sp>
+        <p:nvSpPr>
+          <p:cNvPr id="6" name="Espace réservé du numéro de diapositive 5"/>
+          <p:cNvSpPr>
+            <a:spLocks noGrp="1"/>
+          </p:cNvSpPr>
+          <p:nvPr>
+            <p:ph type="sldNum" sz="quarter" idx="12"/>
+          </p:nvPr>
+        </p:nvSpPr>
+        <p:spPr/>
+        <p:txBody>
+          <a:bodyPr/>
+          <a:lstStyle/>
+          <a:p>
+            <a:fld id="{CE35DAD6-85E4-415C-A280-4771D4FE3E59}" type="slidenum">
+              <a:rPr lang="fr-FR" smtClean="0"/>
+              <a:pPr/>
+              <a:t>9</a:t>
+            </a:fld>
+            <a:endParaRPr lang="fr-FR" dirty="0"/>
+          </a:p>
+        </p:txBody>
+      </p:sp>
+    </p:spTree>
+    <p:extLst>
+      <p:ext uri="{BB962C8B-B14F-4D97-AF65-F5344CB8AC3E}">
+        <p14:creationId xmlns:p14="http://schemas.microsoft.com/office/powerpoint/2010/main" val="3134118039"/>
+      </p:ext>
+    </p:extLst>
+  </p:cSld>
+  <p:clrMapOvr>
+    <a:masterClrMapping/>
+  </p:clrMapOvr>
+  <p:timing>
+    <p:tnLst>
+      <p:par>
+        <p:cTn id="1" dur="indefinite" restart="never" nodeType="tmRoot"/>
+      </p:par>
+    </p:tnLst>
+  </p:timing>
 </p:sld>
 </file>
 
